--- a/src/docs/graphics/venom-diagrams.pptx
+++ b/src/docs/graphics/venom-diagrams.pptx
@@ -116,7 +116,27 @@
       </a:defRPr>
     </a:lvl9pPr>
   </p:defaultTextStyle>
+  <p:extLst>
+    <p:ext uri="{EFAFB233-063F-42B5-8137-9DF3F51BA10A}">
+      <p15:sldGuideLst xmlns:p15="http://schemas.microsoft.com/office/powerpoint/2012/main">
+        <p15:guide id="1" orient="horz" pos="588">
+          <p15:clr>
+            <a:srgbClr val="A4A3A4"/>
+          </p15:clr>
+        </p15:guide>
+        <p15:guide id="2" pos="5759">
+          <p15:clr>
+            <a:srgbClr val="A4A3A4"/>
+          </p15:clr>
+        </p15:guide>
+      </p15:sldGuideLst>
+    </p:ext>
+  </p:extLst>
 </p:presentation>
+</file>
+
+<file path=ppt/revisionInfo.xml><?xml version="1.0" encoding="utf-8"?>
+<p1510:revInfo xmlns:a="http://schemas.openxmlformats.org/drawingml/2006/main" xmlns:r="http://schemas.openxmlformats.org/officeDocument/2006/relationships" xmlns:p1510="http://schemas.microsoft.com/office/powerpoint/2015/10/main"/>
 </file>
 
 <file path=ppt/notesMasters/notesMaster1.xml><?xml version="1.0" encoding="utf-8"?>
@@ -201,7 +221,7 @@
           <a:p>
             <a:fld id="{1C8FE042-0B66-6B40-B0E0-26B8EBC13308}" type="datetimeFigureOut">
               <a:rPr lang="de-DE" smtClean="0"/>
-              <a:t>18.04.15</a:t>
+              <a:t>05.05.2017</a:t>
             </a:fld>
             <a:endParaRPr lang="de-DE"/>
           </a:p>
@@ -265,38 +285,37 @@
           <a:p>
             <a:pPr lvl="0"/>
             <a:r>
-              <a:rPr lang="de-DE" smtClean="0"/>
+              <a:rPr lang="de-DE"/>
               <a:t>Mastertextformat bearbeiten</a:t>
             </a:r>
           </a:p>
           <a:p>
             <a:pPr lvl="1"/>
             <a:r>
-              <a:rPr lang="de-DE" smtClean="0"/>
+              <a:rPr lang="de-DE"/>
               <a:t>Zweite Ebene</a:t>
             </a:r>
           </a:p>
           <a:p>
             <a:pPr lvl="2"/>
             <a:r>
-              <a:rPr lang="de-DE" smtClean="0"/>
+              <a:rPr lang="de-DE"/>
               <a:t>Dritte Ebene</a:t>
             </a:r>
           </a:p>
           <a:p>
             <a:pPr lvl="3"/>
             <a:r>
-              <a:rPr lang="de-DE" smtClean="0"/>
+              <a:rPr lang="de-DE"/>
               <a:t>Vierte Ebene</a:t>
             </a:r>
           </a:p>
           <a:p>
             <a:pPr lvl="4"/>
             <a:r>
-              <a:rPr lang="de-DE" smtClean="0"/>
+              <a:rPr lang="de-DE"/>
               <a:t>Fünfte Ebene</a:t>
             </a:r>
-            <a:endParaRPr lang="de-DE"/>
           </a:p>
         </p:txBody>
       </p:sp>
@@ -360,7 +379,7 @@
           <a:p>
             <a:fld id="{8935F1DC-6619-9646-B396-17002785CB35}" type="slidenum">
               <a:rPr lang="de-DE" smtClean="0"/>
-              <a:t>‹Nr.›</a:t>
+              <a:t>‹#›</a:t>
             </a:fld>
             <a:endParaRPr lang="de-DE"/>
           </a:p>
@@ -469,6 +488,295 @@
 </p:notesMaster>
 </file>
 
+<file path=ppt/notesSlides/notesSlide1.xml><?xml version="1.0" encoding="utf-8"?>
+<p:notes xmlns:a="http://schemas.openxmlformats.org/drawingml/2006/main" xmlns:r="http://schemas.openxmlformats.org/officeDocument/2006/relationships" xmlns:p="http://schemas.openxmlformats.org/presentationml/2006/main">
+  <p:cSld>
+    <p:spTree>
+      <p:nvGrpSpPr>
+        <p:cNvPr id="1" name=""/>
+        <p:cNvGrpSpPr/>
+        <p:nvPr/>
+      </p:nvGrpSpPr>
+      <p:grpSpPr>
+        <a:xfrm>
+          <a:off x="0" y="0"/>
+          <a:ext cx="0" cy="0"/>
+          <a:chOff x="0" y="0"/>
+          <a:chExt cx="0" cy="0"/>
+        </a:xfrm>
+      </p:grpSpPr>
+      <p:sp>
+        <p:nvSpPr>
+          <p:cNvPr id="2" name="Slide Image Placeholder 1"/>
+          <p:cNvSpPr>
+            <a:spLocks noGrp="1" noRot="1" noChangeAspect="1"/>
+          </p:cNvSpPr>
+          <p:nvPr>
+            <p:ph type="sldImg"/>
+          </p:nvPr>
+        </p:nvSpPr>
+        <p:spPr/>
+      </p:sp>
+      <p:sp>
+        <p:nvSpPr>
+          <p:cNvPr id="3" name="Notes Placeholder 2"/>
+          <p:cNvSpPr>
+            <a:spLocks noGrp="1"/>
+          </p:cNvSpPr>
+          <p:nvPr>
+            <p:ph type="body" idx="1"/>
+          </p:nvPr>
+        </p:nvSpPr>
+        <p:spPr/>
+        <p:txBody>
+          <a:bodyPr/>
+          <a:lstStyle/>
+          <a:p>
+            <a:r>
+              <a:rPr lang="en-US" dirty="0"/>
+              <a:t>Ein Test</a:t>
+            </a:r>
+          </a:p>
+          <a:p>
+            <a:r>
+              <a:rPr lang="en-US" dirty="0"/>
+              <a:t>Multiline</a:t>
+            </a:r>
+          </a:p>
+          <a:p>
+            <a:r>
+              <a:rPr lang="en-US" dirty="0"/>
+              <a:t>{</a:t>
+            </a:r>
+            <a:r>
+              <a:rPr lang="en-US" dirty="0" err="1"/>
+              <a:t>adoc</a:t>
+            </a:r>
+            <a:r>
+              <a:rPr lang="en-US" dirty="0"/>
+              <a:t>}</a:t>
+            </a:r>
+          </a:p>
+          <a:p>
+            <a:endParaRPr lang="en-US" dirty="0"/>
+          </a:p>
+          <a:p>
+            <a:r>
+              <a:rPr lang="de-DE" dirty="0"/>
+              <a:t>=== Geschäftsziele</a:t>
+            </a:r>
+          </a:p>
+          <a:p>
+            <a:r>
+              <a:rPr lang="de-DE" dirty="0"/>
+              <a:t>* Optimierung des Produktportfolios</a:t>
+            </a:r>
+          </a:p>
+          <a:p>
+            <a:r>
+              <a:rPr lang="de-DE" dirty="0"/>
+              <a:t>* Schnellstmögliche kommerzielle Verwertung der vorhandenen Patente und innovativen Produktideen.</a:t>
+            </a:r>
+          </a:p>
+          <a:p>
+            <a:r>
+              <a:rPr lang="de-DE" dirty="0"/>
+              <a:t>* Stabilisierung und Erweiterung des Privatkundengeschäftes (siehe Aktuelle Situation)</a:t>
+            </a:r>
+          </a:p>
+          <a:p>
+            <a:endParaRPr lang="de-DE" dirty="0"/>
+          </a:p>
+          <a:p>
+            <a:r>
+              <a:rPr lang="en-US" dirty="0"/>
+              <a:t>{slide}</a:t>
+            </a:r>
+          </a:p>
+          <a:p>
+            <a:endParaRPr lang="en-US" dirty="0"/>
+          </a:p>
+          <a:p>
+            <a:r>
+              <a:rPr lang="en-US" dirty="0" err="1"/>
+              <a:t>Äöü</a:t>
+            </a:r>
+            <a:endParaRPr lang="en-US" dirty="0"/>
+          </a:p>
+          <a:p>
+            <a:endParaRPr lang="en-US" dirty="0"/>
+          </a:p>
+          <a:p>
+            <a:r>
+              <a:rPr lang="de-DE" sz="1200" b="0" kern="1200">
+                <a:solidFill>
+                  <a:schemeClr val="tx1"/>
+                </a:solidFill>
+                <a:effectLst/>
+                <a:latin typeface="+mn-lt"/>
+                <a:ea typeface="+mn-ea"/>
+                <a:cs typeface="+mn-cs"/>
+              </a:rPr>
+              <a:t>[</a:t>
+            </a:r>
+            <a:r>
+              <a:rPr lang="de-DE">
+                <a:hlinkClick r:id="rId3"/>
+              </a:rPr>
+              <a:t>wechselseitiger Beteiligung</a:t>
+            </a:r>
+            <a:r>
+              <a:rPr lang="de-DE"/>
+              <a:t>]</a:t>
+            </a:r>
+            <a:r>
+              <a:rPr lang="de-DE" sz="1200" b="0" kern="1200">
+                <a:solidFill>
+                  <a:schemeClr val="tx1"/>
+                </a:solidFill>
+                <a:effectLst/>
+                <a:latin typeface="+mn-lt"/>
+                <a:ea typeface="+mn-ea"/>
+                <a:cs typeface="+mn-cs"/>
+              </a:rPr>
+              <a:t> </a:t>
+            </a:r>
+          </a:p>
+          <a:p>
+            <a:endParaRPr lang="de-DE" dirty="0"/>
+          </a:p>
+        </p:txBody>
+      </p:sp>
+      <p:sp>
+        <p:nvSpPr>
+          <p:cNvPr id="4" name="Slide Number Placeholder 3"/>
+          <p:cNvSpPr>
+            <a:spLocks noGrp="1"/>
+          </p:cNvSpPr>
+          <p:nvPr>
+            <p:ph type="sldNum" sz="quarter" idx="10"/>
+          </p:nvPr>
+        </p:nvSpPr>
+        <p:spPr/>
+        <p:txBody>
+          <a:bodyPr/>
+          <a:lstStyle/>
+          <a:p>
+            <a:fld id="{8935F1DC-6619-9646-B396-17002785CB35}" type="slidenum">
+              <a:rPr lang="de-DE" smtClean="0"/>
+              <a:t>1</a:t>
+            </a:fld>
+            <a:endParaRPr lang="de-DE"/>
+          </a:p>
+        </p:txBody>
+      </p:sp>
+    </p:spTree>
+    <p:extLst>
+      <p:ext uri="{BB962C8B-B14F-4D97-AF65-F5344CB8AC3E}">
+        <p14:creationId xmlns:p14="http://schemas.microsoft.com/office/powerpoint/2010/main" val="1925871684"/>
+      </p:ext>
+    </p:extLst>
+  </p:cSld>
+  <p:clrMapOvr>
+    <a:masterClrMapping/>
+  </p:clrMapOvr>
+</p:notes>
+</file>
+
+<file path=ppt/notesSlides/notesSlide2.xml><?xml version="1.0" encoding="utf-8"?>
+<p:notes xmlns:a="http://schemas.openxmlformats.org/drawingml/2006/main" xmlns:r="http://schemas.openxmlformats.org/officeDocument/2006/relationships" xmlns:p="http://schemas.openxmlformats.org/presentationml/2006/main">
+  <p:cSld>
+    <p:spTree>
+      <p:nvGrpSpPr>
+        <p:cNvPr id="1" name=""/>
+        <p:cNvGrpSpPr/>
+        <p:nvPr/>
+      </p:nvGrpSpPr>
+      <p:grpSpPr>
+        <a:xfrm>
+          <a:off x="0" y="0"/>
+          <a:ext cx="0" cy="0"/>
+          <a:chOff x="0" y="0"/>
+          <a:chExt cx="0" cy="0"/>
+        </a:xfrm>
+      </p:grpSpPr>
+      <p:sp>
+        <p:nvSpPr>
+          <p:cNvPr id="2" name="Slide Image Placeholder 1"/>
+          <p:cNvSpPr>
+            <a:spLocks noGrp="1" noRot="1" noChangeAspect="1"/>
+          </p:cNvSpPr>
+          <p:nvPr>
+            <p:ph type="sldImg"/>
+          </p:nvPr>
+        </p:nvSpPr>
+        <p:spPr/>
+      </p:sp>
+      <p:sp>
+        <p:nvSpPr>
+          <p:cNvPr id="3" name="Notes Placeholder 2"/>
+          <p:cNvSpPr>
+            <a:spLocks noGrp="1"/>
+          </p:cNvSpPr>
+          <p:nvPr>
+            <p:ph type="body" idx="1"/>
+          </p:nvPr>
+        </p:nvSpPr>
+        <p:spPr/>
+        <p:txBody>
+          <a:bodyPr/>
+          <a:lstStyle/>
+          <a:p>
+            <a:r>
+              <a:rPr lang="en-US" dirty="0" err="1"/>
+              <a:t>Zweite</a:t>
+            </a:r>
+            <a:r>
+              <a:rPr lang="en-US"/>
+              <a:t> Slide</a:t>
+            </a:r>
+          </a:p>
+          <a:p>
+            <a:endParaRPr lang="de-DE"/>
+          </a:p>
+        </p:txBody>
+      </p:sp>
+      <p:sp>
+        <p:nvSpPr>
+          <p:cNvPr id="4" name="Slide Number Placeholder 3"/>
+          <p:cNvSpPr>
+            <a:spLocks noGrp="1"/>
+          </p:cNvSpPr>
+          <p:nvPr>
+            <p:ph type="sldNum" sz="quarter" idx="10"/>
+          </p:nvPr>
+        </p:nvSpPr>
+        <p:spPr/>
+        <p:txBody>
+          <a:bodyPr/>
+          <a:lstStyle/>
+          <a:p>
+            <a:fld id="{8935F1DC-6619-9646-B396-17002785CB35}" type="slidenum">
+              <a:rPr lang="de-DE" smtClean="0"/>
+              <a:t>2</a:t>
+            </a:fld>
+            <a:endParaRPr lang="de-DE"/>
+          </a:p>
+        </p:txBody>
+      </p:sp>
+    </p:spTree>
+    <p:extLst>
+      <p:ext uri="{BB962C8B-B14F-4D97-AF65-F5344CB8AC3E}">
+        <p14:creationId xmlns:p14="http://schemas.microsoft.com/office/powerpoint/2010/main" val="3936259769"/>
+      </p:ext>
+    </p:extLst>
+  </p:cSld>
+  <p:clrMapOvr>
+    <a:masterClrMapping/>
+  </p:clrMapOvr>
+</p:notes>
+</file>
+
 <file path=ppt/slideLayouts/slideLayout1.xml><?xml version="1.0" encoding="utf-8"?>
 <p:sldLayout xmlns:a="http://schemas.openxmlformats.org/drawingml/2006/main" xmlns:r="http://schemas.openxmlformats.org/officeDocument/2006/relationships" xmlns:p="http://schemas.openxmlformats.org/presentationml/2006/main" type="title" preserve="1">
   <p:cSld name="Title Slide">
@@ -507,10 +815,9 @@
           <a:lstStyle/>
           <a:p>
             <a:r>
-              <a:rPr lang="en-US" smtClean="0"/>
+              <a:rPr lang="en-US"/>
               <a:t>Click to edit Master title style</a:t>
             </a:r>
-            <a:endParaRPr lang="en-US"/>
           </a:p>
         </p:txBody>
       </p:sp>
@@ -626,10 +933,9 @@
           </a:lstStyle>
           <a:p>
             <a:r>
-              <a:rPr lang="en-US" smtClean="0"/>
+              <a:rPr lang="en-US"/>
               <a:t>Click to edit Master subtitle style</a:t>
             </a:r>
-            <a:endParaRPr lang="en-US"/>
           </a:p>
         </p:txBody>
       </p:sp>
@@ -679,10 +985,9 @@
           <a:lstStyle/>
           <a:p>
             <a:r>
-              <a:rPr lang="en-US" smtClean="0"/>
+              <a:rPr lang="en-US"/>
               <a:t>Click to edit Master title style</a:t>
             </a:r>
-            <a:endParaRPr lang="en-US"/>
           </a:p>
         </p:txBody>
       </p:sp>
@@ -703,38 +1008,37 @@
           <a:p>
             <a:pPr lvl="0"/>
             <a:r>
-              <a:rPr lang="en-US" smtClean="0"/>
+              <a:rPr lang="en-US"/>
               <a:t>Click to edit Master text styles</a:t>
             </a:r>
           </a:p>
           <a:p>
             <a:pPr lvl="1"/>
             <a:r>
-              <a:rPr lang="en-US" smtClean="0"/>
+              <a:rPr lang="en-US"/>
               <a:t>Second level</a:t>
             </a:r>
           </a:p>
           <a:p>
             <a:pPr lvl="2"/>
             <a:r>
-              <a:rPr lang="en-US" smtClean="0"/>
+              <a:rPr lang="en-US"/>
               <a:t>Third level</a:t>
             </a:r>
           </a:p>
           <a:p>
             <a:pPr lvl="3"/>
             <a:r>
-              <a:rPr lang="en-US" smtClean="0"/>
+              <a:rPr lang="en-US"/>
               <a:t>Fourth level</a:t>
             </a:r>
           </a:p>
           <a:p>
             <a:pPr lvl="4"/>
             <a:r>
-              <a:rPr lang="en-US" smtClean="0"/>
+              <a:rPr lang="en-US"/>
               <a:t>Fifth level</a:t>
             </a:r>
-            <a:endParaRPr lang="en-US"/>
           </a:p>
         </p:txBody>
       </p:sp>
@@ -784,10 +1088,9 @@
           <a:lstStyle/>
           <a:p>
             <a:r>
-              <a:rPr lang="en-US" smtClean="0"/>
+              <a:rPr lang="en-US"/>
               <a:t>Click to edit Master title style</a:t>
             </a:r>
-            <a:endParaRPr lang="en-US"/>
           </a:p>
         </p:txBody>
       </p:sp>
@@ -841,38 +1144,37 @@
           <a:p>
             <a:pPr lvl="0"/>
             <a:r>
-              <a:rPr lang="en-US" smtClean="0"/>
+              <a:rPr lang="en-US"/>
               <a:t>Click to edit Master text styles</a:t>
             </a:r>
           </a:p>
           <a:p>
             <a:pPr lvl="1"/>
             <a:r>
-              <a:rPr lang="en-US" smtClean="0"/>
+              <a:rPr lang="en-US"/>
               <a:t>Second level</a:t>
             </a:r>
           </a:p>
           <a:p>
             <a:pPr lvl="2"/>
             <a:r>
-              <a:rPr lang="en-US" smtClean="0"/>
+              <a:rPr lang="en-US"/>
               <a:t>Third level</a:t>
             </a:r>
           </a:p>
           <a:p>
             <a:pPr lvl="3"/>
             <a:r>
-              <a:rPr lang="en-US" smtClean="0"/>
+              <a:rPr lang="en-US"/>
               <a:t>Fourth level</a:t>
             </a:r>
           </a:p>
           <a:p>
             <a:pPr lvl="4"/>
             <a:r>
-              <a:rPr lang="en-US" smtClean="0"/>
+              <a:rPr lang="en-US"/>
               <a:t>Fifth level</a:t>
             </a:r>
-            <a:endParaRPr lang="en-US"/>
           </a:p>
         </p:txBody>
       </p:sp>
@@ -926,38 +1228,37 @@
           <a:p>
             <a:pPr lvl="0"/>
             <a:r>
-              <a:rPr lang="en-US" smtClean="0"/>
+              <a:rPr lang="en-US"/>
               <a:t>Click to edit Master text styles</a:t>
             </a:r>
           </a:p>
           <a:p>
             <a:pPr lvl="1"/>
             <a:r>
-              <a:rPr lang="en-US" smtClean="0"/>
+              <a:rPr lang="en-US"/>
               <a:t>Second level</a:t>
             </a:r>
           </a:p>
           <a:p>
             <a:pPr lvl="2"/>
             <a:r>
-              <a:rPr lang="en-US" smtClean="0"/>
+              <a:rPr lang="en-US"/>
               <a:t>Third level</a:t>
             </a:r>
           </a:p>
           <a:p>
             <a:pPr lvl="3"/>
             <a:r>
-              <a:rPr lang="en-US" smtClean="0"/>
+              <a:rPr lang="en-US"/>
               <a:t>Fourth level</a:t>
             </a:r>
           </a:p>
           <a:p>
             <a:pPr lvl="4"/>
             <a:r>
-              <a:rPr lang="en-US" smtClean="0"/>
+              <a:rPr lang="en-US"/>
               <a:t>Fifth level</a:t>
             </a:r>
-            <a:endParaRPr lang="en-US"/>
           </a:p>
         </p:txBody>
       </p:sp>
@@ -1007,10 +1308,9 @@
           <a:lstStyle/>
           <a:p>
             <a:r>
-              <a:rPr lang="en-US" smtClean="0"/>
+              <a:rPr lang="en-US"/>
               <a:t>Click to edit Master title style</a:t>
             </a:r>
-            <a:endParaRPr lang="en-US"/>
           </a:p>
         </p:txBody>
       </p:sp>
@@ -1075,10 +1375,9 @@
           <a:lstStyle/>
           <a:p>
             <a:r>
-              <a:rPr lang="en-US" smtClean="0"/>
+              <a:rPr lang="en-US"/>
               <a:t>Click to edit Master title style</a:t>
             </a:r>
-            <a:endParaRPr lang="en-US"/>
           </a:p>
         </p:txBody>
       </p:sp>
@@ -1109,38 +1408,37 @@
           <a:p>
             <a:pPr lvl="0"/>
             <a:r>
-              <a:rPr lang="en-US" smtClean="0"/>
+              <a:rPr lang="en-US"/>
               <a:t>Click to edit Master text styles</a:t>
             </a:r>
           </a:p>
           <a:p>
             <a:pPr lvl="1"/>
             <a:r>
-              <a:rPr lang="en-US" smtClean="0"/>
+              <a:rPr lang="en-US"/>
               <a:t>Second level</a:t>
             </a:r>
           </a:p>
           <a:p>
             <a:pPr lvl="2"/>
             <a:r>
-              <a:rPr lang="en-US" smtClean="0"/>
+              <a:rPr lang="en-US"/>
               <a:t>Third level</a:t>
             </a:r>
           </a:p>
           <a:p>
             <a:pPr lvl="3"/>
             <a:r>
-              <a:rPr lang="en-US" smtClean="0"/>
+              <a:rPr lang="en-US"/>
               <a:t>Fourth level</a:t>
             </a:r>
           </a:p>
           <a:p>
             <a:pPr lvl="4"/>
             <a:r>
-              <a:rPr lang="en-US" smtClean="0"/>
+              <a:rPr lang="en-US"/>
               <a:t>Fifth level</a:t>
             </a:r>
-            <a:endParaRPr lang="en-US"/>
           </a:p>
         </p:txBody>
       </p:sp>
@@ -1701,56 +1999,55 @@
           <a:lstStyle/>
           <a:p>
             <a:r>
-              <a:rPr lang="de-DE" dirty="0" smtClean="0"/>
+              <a:rPr lang="de-DE" dirty="0"/>
               <a:t>just a web </a:t>
             </a:r>
             <a:r>
-              <a:rPr lang="de-DE" dirty="0" err="1" smtClean="0"/>
+              <a:rPr lang="de-DE" dirty="0" err="1"/>
               <a:t>shop</a:t>
             </a:r>
             <a:r>
-              <a:rPr lang="de-DE" dirty="0" smtClean="0"/>
+              <a:rPr lang="de-DE" dirty="0"/>
               <a:t>:</a:t>
             </a:r>
             <a:br>
-              <a:rPr lang="de-DE" dirty="0" smtClean="0"/>
+              <a:rPr lang="de-DE" dirty="0"/>
             </a:br>
             <a:r>
-              <a:rPr lang="de-DE" dirty="0" smtClean="0"/>
+              <a:rPr lang="de-DE" dirty="0"/>
               <a:t>„</a:t>
             </a:r>
             <a:r>
-              <a:rPr lang="de-DE" dirty="0" err="1" smtClean="0"/>
+              <a:rPr lang="de-DE" dirty="0" err="1"/>
               <a:t>VEry</a:t>
             </a:r>
             <a:r>
-              <a:rPr lang="de-DE" dirty="0" smtClean="0"/>
+              <a:rPr lang="de-DE" dirty="0"/>
               <a:t> </a:t>
             </a:r>
             <a:r>
-              <a:rPr lang="de-DE" dirty="0" err="1" smtClean="0"/>
+              <a:rPr lang="de-DE" dirty="0" err="1"/>
               <a:t>NOrMal</a:t>
             </a:r>
             <a:r>
-              <a:rPr lang="de-DE" dirty="0" smtClean="0"/>
+              <a:rPr lang="de-DE" dirty="0"/>
               <a:t> </a:t>
             </a:r>
             <a:r>
-              <a:rPr lang="de-DE" dirty="0" err="1" smtClean="0"/>
+              <a:rPr lang="de-DE" dirty="0" err="1"/>
               <a:t>system</a:t>
             </a:r>
             <a:r>
-              <a:rPr lang="de-DE" dirty="0" smtClean="0"/>
+              <a:rPr lang="de-DE" dirty="0"/>
               <a:t>“</a:t>
             </a:r>
             <a:br>
-              <a:rPr lang="de-DE" dirty="0" smtClean="0"/>
+              <a:rPr lang="de-DE" dirty="0"/>
             </a:br>
             <a:r>
-              <a:rPr lang="de-DE" dirty="0" smtClean="0"/>
+              <a:rPr lang="de-DE" dirty="0"/>
               <a:t>(VENOM)</a:t>
             </a:r>
-            <a:endParaRPr lang="de-DE" dirty="0"/>
           </a:p>
         </p:txBody>
       </p:sp>
@@ -1763,7 +2060,7 @@
           <p:nvPr/>
         </p:nvPicPr>
         <p:blipFill>
-          <a:blip r:embed="rId2">
+          <a:blip r:embed="rId3">
             <a:extLst>
               <a:ext uri="{28A0092B-C50C-407E-A947-70E740481C1C}">
                 <a14:useLocalDpi xmlns:a14="http://schemas.microsoft.com/office/drawing/2010/main" val="0"/>
@@ -1962,7 +2259,7 @@
           </a:lstStyle>
           <a:p>
             <a:r>
-              <a:rPr lang="de-DE" sz="2000" dirty="0" smtClean="0"/>
+              <a:rPr lang="de-DE" sz="2000" dirty="0"/>
               <a:t>Dr. Gernot Starke</a:t>
             </a:r>
           </a:p>
@@ -2014,10 +2311,9 @@
           <a:lstStyle/>
           <a:p>
             <a:r>
-              <a:rPr lang="de-DE" dirty="0" smtClean="0"/>
+              <a:rPr lang="de-DE" dirty="0"/>
               <a:t>Team- und Organisations-Wirrwarr</a:t>
             </a:r>
-            <a:endParaRPr lang="de-DE" dirty="0"/>
           </a:p>
         </p:txBody>
       </p:sp>
@@ -2037,43 +2333,43 @@
           <a:lstStyle/>
           <a:p>
             <a:r>
-              <a:rPr lang="de-DE" dirty="0" smtClean="0"/>
+              <a:rPr lang="de-DE" dirty="0"/>
               <a:t>40% Entwicklung </a:t>
             </a:r>
             <a:r>
-              <a:rPr lang="de-DE" dirty="0" err="1" smtClean="0"/>
+              <a:rPr lang="de-DE" dirty="0" err="1"/>
               <a:t>Inhouse</a:t>
             </a:r>
             <a:r>
-              <a:rPr lang="de-DE" dirty="0" smtClean="0"/>
+              <a:rPr lang="de-DE" dirty="0"/>
               <a:t>,</a:t>
             </a:r>
           </a:p>
           <a:p>
             <a:r>
-              <a:rPr lang="de-DE" dirty="0" smtClean="0"/>
+              <a:rPr lang="de-DE" dirty="0"/>
               <a:t>30% Vertragspartner (siehe </a:t>
             </a:r>
             <a:r>
-              <a:rPr lang="de-DE" dirty="0" err="1" smtClean="0"/>
+              <a:rPr lang="de-DE" dirty="0" err="1"/>
               <a:t>Orga</a:t>
             </a:r>
             <a:r>
-              <a:rPr lang="de-DE" dirty="0" smtClean="0"/>
+              <a:rPr lang="de-DE" dirty="0"/>
               <a:t>-Historie)</a:t>
             </a:r>
           </a:p>
           <a:p>
             <a:r>
-              <a:rPr lang="de-DE" dirty="0" smtClean="0"/>
+              <a:rPr lang="de-DE" dirty="0"/>
               <a:t>30% </a:t>
             </a:r>
             <a:r>
-              <a:rPr lang="de-DE" dirty="0" err="1" smtClean="0"/>
+              <a:rPr lang="de-DE" dirty="0" err="1"/>
               <a:t>Near</a:t>
             </a:r>
             <a:r>
-              <a:rPr lang="de-DE" dirty="0" smtClean="0"/>
+              <a:rPr lang="de-DE" dirty="0"/>
               <a:t>-/Offshore sowie extern</a:t>
             </a:r>
           </a:p>
@@ -2082,51 +2378,51 @@
           </a:p>
           <a:p>
             <a:r>
-              <a:rPr lang="de-DE" dirty="0" smtClean="0"/>
+              <a:rPr lang="de-DE" dirty="0"/>
               <a:t>Heterogene: </a:t>
             </a:r>
           </a:p>
           <a:p>
             <a:pPr lvl="1"/>
             <a:r>
-              <a:rPr lang="de-DE" dirty="0" smtClean="0"/>
+              <a:rPr lang="de-DE" dirty="0"/>
               <a:t>Vertrags- und Auftragsgestaltung</a:t>
             </a:r>
           </a:p>
           <a:p>
             <a:pPr lvl="1"/>
             <a:r>
-              <a:rPr lang="de-DE" dirty="0" smtClean="0"/>
+              <a:rPr lang="de-DE" dirty="0"/>
               <a:t>Entwicklungs- und Inbetriebnahme-Prozesse</a:t>
             </a:r>
           </a:p>
           <a:p>
             <a:pPr lvl="1"/>
             <a:r>
-              <a:rPr lang="de-DE" dirty="0" smtClean="0"/>
+              <a:rPr lang="de-DE" dirty="0"/>
               <a:t>Umgebungen für </a:t>
             </a:r>
             <a:r>
-              <a:rPr lang="de-DE" dirty="0" err="1" smtClean="0"/>
+              <a:rPr lang="de-DE" dirty="0" err="1"/>
               <a:t>Sourcen</a:t>
             </a:r>
             <a:r>
-              <a:rPr lang="de-DE" dirty="0" smtClean="0"/>
+              <a:rPr lang="de-DE" dirty="0"/>
               <a:t>, </a:t>
             </a:r>
             <a:r>
-              <a:rPr lang="de-DE" dirty="0" err="1" smtClean="0"/>
+              <a:rPr lang="de-DE" dirty="0" err="1"/>
               <a:t>Build</a:t>
             </a:r>
             <a:r>
-              <a:rPr lang="de-DE" dirty="0" smtClean="0"/>
+              <a:rPr lang="de-DE" dirty="0"/>
               <a:t>, Test + </a:t>
             </a:r>
             <a:r>
-              <a:rPr lang="de-DE" dirty="0" err="1" smtClean="0"/>
+              <a:rPr lang="de-DE" dirty="0" err="1"/>
               <a:t>Deploy</a:t>
             </a:r>
-            <a:endParaRPr lang="de-DE" dirty="0" smtClean="0"/>
+            <a:endParaRPr lang="de-DE" dirty="0"/>
           </a:p>
         </p:txBody>
       </p:sp>
@@ -2177,11 +2473,11 @@
           <a:p>
             <a:pPr algn="l"/>
             <a:r>
-              <a:rPr lang="de-DE" dirty="0" smtClean="0"/>
+              <a:rPr lang="de-DE" dirty="0"/>
               <a:t>Nur ein Webshop ... </a:t>
             </a:r>
             <a:r>
-              <a:rPr lang="de-DE" dirty="0" smtClean="0">
+              <a:rPr lang="de-DE" dirty="0">
                 <a:sym typeface="Wingdings"/>
               </a:rPr>
               <a:t></a:t>
@@ -2199,7 +2495,7 @@
           <p:nvPr/>
         </p:nvPicPr>
         <p:blipFill>
-          <a:blip r:embed="rId2"/>
+          <a:blip r:embed="rId3"/>
           <a:stretch>
             <a:fillRect/>
           </a:stretch>
@@ -2241,7 +2537,7 @@
               <a:buChar char="•"/>
             </a:pPr>
             <a:r>
-              <a:rPr lang="de-DE" sz="2400" dirty="0" smtClean="0"/>
+              <a:rPr lang="de-DE" sz="2400" dirty="0"/>
               <a:t>Konfigurierbare Produkte</a:t>
             </a:r>
           </a:p>
@@ -2251,7 +2547,7 @@
               <a:buChar char="•"/>
             </a:pPr>
             <a:r>
-              <a:rPr lang="de-DE" sz="2400" dirty="0" smtClean="0"/>
+              <a:rPr lang="de-DE" sz="2400" dirty="0"/>
               <a:t>Vielseitige Käuferstruktur</a:t>
             </a:r>
           </a:p>
@@ -2261,7 +2557,7 @@
               <a:buChar char="•"/>
             </a:pPr>
             <a:r>
-              <a:rPr lang="de-DE" sz="2400" dirty="0" smtClean="0"/>
+              <a:rPr lang="de-DE" sz="2400" dirty="0"/>
               <a:t>Schwierige Preisbestimmung</a:t>
             </a:r>
           </a:p>
@@ -2271,7 +2567,7 @@
               <a:buChar char="•"/>
             </a:pPr>
             <a:r>
-              <a:rPr lang="de-DE" dirty="0" smtClean="0"/>
+              <a:rPr lang="de-DE" dirty="0"/>
               <a:t>Einzel- &amp; Firmenverträge</a:t>
             </a:r>
           </a:p>
@@ -2281,7 +2577,7 @@
               <a:buChar char="•"/>
             </a:pPr>
             <a:r>
-              <a:rPr lang="de-DE" dirty="0" smtClean="0"/>
+              <a:rPr lang="de-DE" dirty="0"/>
               <a:t>Rabattkarten</a:t>
             </a:r>
           </a:p>
@@ -2291,7 +2587,7 @@
               <a:buChar char="•"/>
             </a:pPr>
             <a:r>
-              <a:rPr lang="de-DE" dirty="0" smtClean="0"/>
+              <a:rPr lang="de-DE" dirty="0"/>
               <a:t>Gutscheine</a:t>
             </a:r>
           </a:p>
@@ -2301,7 +2597,7 @@
               <a:buChar char="•"/>
             </a:pPr>
             <a:r>
-              <a:rPr lang="de-DE" dirty="0" smtClean="0"/>
+              <a:rPr lang="de-DE" dirty="0"/>
               <a:t>Saisonpreise</a:t>
             </a:r>
           </a:p>
@@ -2311,7 +2607,7 @@
               <a:buChar char="•"/>
             </a:pPr>
             <a:r>
-              <a:rPr lang="de-DE" dirty="0" smtClean="0"/>
+              <a:rPr lang="de-DE" dirty="0"/>
               <a:t>Kombi-Regelungen</a:t>
             </a:r>
           </a:p>
@@ -2340,7 +2636,7 @@
           <a:lstStyle/>
           <a:p>
             <a:r>
-              <a:rPr lang="de-DE" sz="1600" b="1" dirty="0" smtClean="0">
+              <a:rPr lang="de-DE" sz="1600" b="1" dirty="0">
                 <a:solidFill>
                   <a:schemeClr val="accent6">
                     <a:lumMod val="60000"/>
@@ -2350,14 +2646,6 @@
               </a:rPr>
               <a:t>Umsatz in % (ca.)</a:t>
             </a:r>
-            <a:endParaRPr lang="de-DE" sz="1600" b="1" dirty="0">
-              <a:solidFill>
-                <a:schemeClr val="accent6">
-                  <a:lumMod val="60000"/>
-                  <a:lumOff val="40000"/>
-                </a:schemeClr>
-              </a:solidFill>
-            </a:endParaRPr>
           </a:p>
         </p:txBody>
       </p:sp>
@@ -2386,7 +2674,7 @@
           <a:lstStyle/>
           <a:p>
             <a:r>
-              <a:rPr lang="de-DE" b="1" dirty="0" smtClean="0">
+              <a:rPr lang="de-DE" b="1" dirty="0">
                 <a:solidFill>
                   <a:schemeClr val="accent6">
                     <a:lumMod val="60000"/>
@@ -2396,14 +2684,6 @@
               </a:rPr>
               <a:t>25%</a:t>
             </a:r>
-            <a:endParaRPr lang="de-DE" b="1" dirty="0">
-              <a:solidFill>
-                <a:schemeClr val="accent6">
-                  <a:lumMod val="60000"/>
-                  <a:lumOff val="40000"/>
-                </a:schemeClr>
-              </a:solidFill>
-            </a:endParaRPr>
           </a:p>
         </p:txBody>
       </p:sp>
@@ -2432,7 +2712,7 @@
           <a:lstStyle/>
           <a:p>
             <a:r>
-              <a:rPr lang="de-DE" b="1" dirty="0" smtClean="0">
+              <a:rPr lang="de-DE" b="1" dirty="0">
                 <a:solidFill>
                   <a:schemeClr val="accent6">
                     <a:lumMod val="60000"/>
@@ -2442,14 +2722,6 @@
               </a:rPr>
               <a:t>15%</a:t>
             </a:r>
-            <a:endParaRPr lang="de-DE" b="1" dirty="0">
-              <a:solidFill>
-                <a:schemeClr val="accent6">
-                  <a:lumMod val="60000"/>
-                  <a:lumOff val="40000"/>
-                </a:schemeClr>
-              </a:solidFill>
-            </a:endParaRPr>
           </a:p>
         </p:txBody>
       </p:sp>
@@ -2478,7 +2750,7 @@
           <a:lstStyle/>
           <a:p>
             <a:r>
-              <a:rPr lang="de-DE" b="1" dirty="0" smtClean="0">
+              <a:rPr lang="de-DE" b="1" dirty="0">
                 <a:solidFill>
                   <a:schemeClr val="accent6">
                     <a:lumMod val="60000"/>
@@ -2488,14 +2760,6 @@
               </a:rPr>
               <a:t>35%</a:t>
             </a:r>
-            <a:endParaRPr lang="de-DE" b="1" dirty="0">
-              <a:solidFill>
-                <a:schemeClr val="accent6">
-                  <a:lumMod val="60000"/>
-                  <a:lumOff val="40000"/>
-                </a:schemeClr>
-              </a:solidFill>
-            </a:endParaRPr>
           </a:p>
         </p:txBody>
       </p:sp>
@@ -2524,7 +2788,7 @@
           <a:lstStyle/>
           <a:p>
             <a:r>
-              <a:rPr lang="de-DE" b="1" dirty="0" smtClean="0">
+              <a:rPr lang="de-DE" b="1" dirty="0">
                 <a:solidFill>
                   <a:schemeClr val="accent6">
                     <a:lumMod val="60000"/>
@@ -2534,14 +2798,6 @@
               </a:rPr>
               <a:t>25%</a:t>
             </a:r>
-            <a:endParaRPr lang="de-DE" b="1" dirty="0">
-              <a:solidFill>
-                <a:schemeClr val="accent6">
-                  <a:lumMod val="60000"/>
-                  <a:lumOff val="40000"/>
-                </a:schemeClr>
-              </a:solidFill>
-            </a:endParaRPr>
           </a:p>
         </p:txBody>
       </p:sp>
@@ -2568,7 +2824,7 @@
           <a:lstStyle/>
           <a:p>
             <a:r>
-              <a:rPr lang="de-DE" b="1" dirty="0" smtClean="0">
+              <a:rPr lang="de-DE" b="1" dirty="0">
                 <a:solidFill>
                   <a:schemeClr val="tx2">
                     <a:lumMod val="75000"/>
@@ -2580,16 +2836,6 @@
           </a:p>
           <a:p>
             <a:r>
-              <a:rPr lang="de-DE" b="1" dirty="0" smtClean="0">
-                <a:solidFill>
-                  <a:schemeClr val="tx2">
-                    <a:lumMod val="75000"/>
-                  </a:schemeClr>
-                </a:solidFill>
-              </a:rPr>
-              <a:t>Teilw. </a:t>
-            </a:r>
-            <a:r>
               <a:rPr lang="de-DE" b="1" dirty="0">
                 <a:solidFill>
                   <a:schemeClr val="tx2">
@@ -2597,25 +2843,8 @@
                   </a:schemeClr>
                 </a:solidFill>
               </a:rPr>
-              <a:t>r</a:t>
-            </a:r>
-            <a:r>
-              <a:rPr lang="de-DE" b="1" dirty="0" smtClean="0">
-                <a:solidFill>
-                  <a:schemeClr val="tx2">
-                    <a:lumMod val="75000"/>
-                  </a:schemeClr>
-                </a:solidFill>
-              </a:rPr>
-              <a:t>egulierte Preise</a:t>
-            </a:r>
-            <a:endParaRPr lang="de-DE" b="1" dirty="0">
-              <a:solidFill>
-                <a:schemeClr val="tx2">
-                  <a:lumMod val="75000"/>
-                </a:schemeClr>
-              </a:solidFill>
-            </a:endParaRPr>
+              <a:t>Teilw. regulierte Preise</a:t>
+            </a:r>
           </a:p>
         </p:txBody>
       </p:sp>
@@ -2629,13 +2858,6 @@
   <p:clrMapOvr>
     <a:masterClrMapping/>
   </p:clrMapOvr>
-  <p:timing>
-    <p:tnLst>
-      <p:par>
-        <p:cTn xmlns:p14="http://schemas.microsoft.com/office/powerpoint/2010/main" id="1" dur="indefinite" restart="never" nodeType="tmRoot"/>
-      </p:par>
-    </p:tnLst>
-  </p:timing>
 </p:sld>
 </file>
 
@@ -2712,10 +2934,9 @@
           <a:lstStyle/>
           <a:p>
             <a:r>
-              <a:rPr lang="de-DE" sz="2000" dirty="0" smtClean="0"/>
+              <a:rPr lang="de-DE" sz="2000" dirty="0"/>
               <a:t>1992</a:t>
             </a:r>
-            <a:endParaRPr lang="de-DE" sz="2000" dirty="0"/>
           </a:p>
         </p:txBody>
       </p:sp>
@@ -2742,10 +2963,9 @@
           <a:lstStyle/>
           <a:p>
             <a:r>
-              <a:rPr lang="de-DE" sz="2000" dirty="0" smtClean="0"/>
+              <a:rPr lang="de-DE" sz="2000" dirty="0"/>
               <a:t>1997</a:t>
             </a:r>
-            <a:endParaRPr lang="de-DE" sz="2000" dirty="0"/>
           </a:p>
         </p:txBody>
       </p:sp>
@@ -2772,10 +2992,9 @@
           <a:lstStyle/>
           <a:p>
             <a:r>
-              <a:rPr lang="de-DE" sz="2000" dirty="0" smtClean="0"/>
+              <a:rPr lang="de-DE" sz="2000" dirty="0"/>
               <a:t>2003</a:t>
             </a:r>
-            <a:endParaRPr lang="de-DE" sz="2000" dirty="0"/>
           </a:p>
         </p:txBody>
       </p:sp>
@@ -2802,10 +3021,9 @@
           <a:lstStyle/>
           <a:p>
             <a:r>
-              <a:rPr lang="de-DE" sz="2000" dirty="0" smtClean="0"/>
+              <a:rPr lang="de-DE" sz="2000" dirty="0"/>
               <a:t>2008</a:t>
             </a:r>
-            <a:endParaRPr lang="de-DE" sz="2000" dirty="0"/>
           </a:p>
         </p:txBody>
       </p:sp>
@@ -2832,10 +3050,9 @@
           <a:lstStyle/>
           <a:p>
             <a:r>
-              <a:rPr lang="de-DE" sz="2000" dirty="0" smtClean="0"/>
+              <a:rPr lang="de-DE" sz="2000" dirty="0"/>
               <a:t>2013</a:t>
             </a:r>
-            <a:endParaRPr lang="de-DE" sz="2000" dirty="0"/>
           </a:p>
         </p:txBody>
       </p:sp>
@@ -2874,17 +3091,16 @@
           <a:p>
             <a:pPr algn="ctr"/>
             <a:r>
-              <a:rPr lang="de-DE" dirty="0" smtClean="0"/>
+              <a:rPr lang="de-DE" dirty="0"/>
               <a:t>„Atlas 1“</a:t>
             </a:r>
             <a:br>
-              <a:rPr lang="de-DE" dirty="0" smtClean="0"/>
+              <a:rPr lang="de-DE" dirty="0"/>
             </a:br>
             <a:r>
-              <a:rPr lang="de-DE" dirty="0" smtClean="0"/>
+              <a:rPr lang="de-DE" dirty="0"/>
               <a:t>(Host)</a:t>
             </a:r>
-            <a:endParaRPr lang="de-DE" dirty="0"/>
           </a:p>
         </p:txBody>
       </p:sp>
@@ -2923,17 +3139,16 @@
           <a:p>
             <a:pPr algn="ctr"/>
             <a:r>
-              <a:rPr lang="de-DE" dirty="0" smtClean="0"/>
+              <a:rPr lang="de-DE" dirty="0"/>
               <a:t>„Atlas 2“</a:t>
             </a:r>
             <a:br>
-              <a:rPr lang="de-DE" dirty="0" smtClean="0"/>
+              <a:rPr lang="de-DE" dirty="0"/>
             </a:br>
             <a:r>
-              <a:rPr lang="de-DE" dirty="0" smtClean="0"/>
+              <a:rPr lang="de-DE" dirty="0"/>
               <a:t>(AS/400, Cobol)</a:t>
             </a:r>
-            <a:endParaRPr lang="de-DE" dirty="0"/>
           </a:p>
         </p:txBody>
       </p:sp>
@@ -3005,25 +3220,24 @@
           <a:p>
             <a:pPr algn="ctr"/>
             <a:r>
-              <a:rPr lang="de-DE" sz="1600" dirty="0" err="1" smtClean="0"/>
+              <a:rPr lang="de-DE" sz="1600" dirty="0" err="1"/>
               <a:t>Backoffice</a:t>
             </a:r>
             <a:r>
-              <a:rPr lang="de-DE" sz="1600" dirty="0" smtClean="0"/>
+              <a:rPr lang="de-DE" sz="1600" dirty="0"/>
               <a:t>-Katalog</a:t>
             </a:r>
             <a:br>
-              <a:rPr lang="de-DE" sz="1600" dirty="0" smtClean="0"/>
+              <a:rPr lang="de-DE" sz="1600" dirty="0"/>
             </a:br>
             <a:r>
-              <a:rPr lang="de-DE" sz="1400" dirty="0" smtClean="0"/>
+              <a:rPr lang="de-DE" sz="1400" dirty="0"/>
               <a:t>(Java + Host</a:t>
             </a:r>
             <a:r>
-              <a:rPr lang="de-DE" sz="1600" dirty="0" smtClean="0"/>
+              <a:rPr lang="de-DE" sz="1600" dirty="0"/>
               <a:t>)</a:t>
             </a:r>
-            <a:endParaRPr lang="de-DE" sz="1600" dirty="0"/>
           </a:p>
         </p:txBody>
       </p:sp>
@@ -3062,18 +3276,17 @@
           <a:p>
             <a:pPr algn="ctr"/>
             <a:r>
-              <a:rPr lang="de-DE" sz="1600" dirty="0" err="1" smtClean="0"/>
+              <a:rPr lang="de-DE" sz="1600" dirty="0" err="1"/>
               <a:t>eGov</a:t>
             </a:r>
-            <a:endParaRPr lang="de-DE" sz="1600" dirty="0" smtClean="0"/>
+            <a:endParaRPr lang="de-DE" sz="1600" dirty="0"/>
           </a:p>
           <a:p>
             <a:pPr algn="ctr"/>
             <a:r>
-              <a:rPr lang="de-DE" sz="1600" dirty="0" smtClean="0"/>
+              <a:rPr lang="de-DE" sz="1600" dirty="0"/>
               <a:t>(Python)</a:t>
             </a:r>
-            <a:endParaRPr lang="de-DE" sz="1600" dirty="0"/>
           </a:p>
         </p:txBody>
       </p:sp>
@@ -3112,17 +3325,16 @@
           <a:p>
             <a:pPr algn="ctr"/>
             <a:r>
-              <a:rPr lang="de-DE" sz="1600" dirty="0" smtClean="0"/>
+              <a:rPr lang="de-DE" sz="1600" dirty="0"/>
               <a:t>Web-Katalog</a:t>
             </a:r>
             <a:br>
-              <a:rPr lang="de-DE" sz="1600" dirty="0" smtClean="0"/>
+              <a:rPr lang="de-DE" sz="1600" dirty="0"/>
             </a:br>
             <a:r>
-              <a:rPr lang="de-DE" sz="1600" dirty="0" smtClean="0"/>
+              <a:rPr lang="de-DE" sz="1600" dirty="0"/>
               <a:t>(Java)</a:t>
             </a:r>
-            <a:endParaRPr lang="de-DE" sz="1600" dirty="0"/>
           </a:p>
         </p:txBody>
       </p:sp>
@@ -3198,18 +3410,17 @@
           <a:p>
             <a:pPr algn="ctr"/>
             <a:r>
-              <a:rPr lang="de-DE" sz="1400" dirty="0" err="1" smtClean="0"/>
+              <a:rPr lang="de-DE" sz="1400" dirty="0" err="1"/>
               <a:t>Pricemaster</a:t>
             </a:r>
-            <a:endParaRPr lang="de-DE" sz="1400" dirty="0" smtClean="0"/>
+            <a:endParaRPr lang="de-DE" sz="1400" dirty="0"/>
           </a:p>
           <a:p>
             <a:pPr algn="ctr"/>
             <a:r>
-              <a:rPr lang="de-DE" sz="1400" dirty="0" smtClean="0"/>
+              <a:rPr lang="de-DE" sz="1400" dirty="0"/>
               <a:t>(Smalltalk)</a:t>
             </a:r>
-            <a:endParaRPr lang="de-DE" sz="1400" dirty="0"/>
           </a:p>
         </p:txBody>
       </p:sp>
@@ -3283,18 +3494,17 @@
           <a:p>
             <a:pPr algn="ctr"/>
             <a:r>
-              <a:rPr lang="de-DE" sz="1600" dirty="0" err="1" smtClean="0"/>
+              <a:rPr lang="de-DE" sz="1600" dirty="0" err="1"/>
               <a:t>ComSuite</a:t>
             </a:r>
-            <a:endParaRPr lang="de-DE" sz="1600" dirty="0" smtClean="0"/>
+            <a:endParaRPr lang="de-DE" sz="1600" dirty="0"/>
           </a:p>
           <a:p>
             <a:pPr algn="ctr"/>
             <a:r>
-              <a:rPr lang="de-DE" sz="1600" dirty="0" smtClean="0"/>
+              <a:rPr lang="de-DE" sz="1600" dirty="0"/>
               <a:t>(Java &amp; Python)</a:t>
             </a:r>
-            <a:endParaRPr lang="de-DE" sz="1600" dirty="0"/>
           </a:p>
         </p:txBody>
       </p:sp>
@@ -3388,29 +3598,24 @@
           <a:p>
             <a:pPr algn="ctr"/>
             <a:r>
-              <a:rPr lang="de-DE" sz="1600" dirty="0" smtClean="0"/>
+              <a:rPr lang="de-DE" sz="1600" dirty="0"/>
               <a:t>SAMM </a:t>
             </a:r>
             <a:r>
-              <a:rPr lang="de-DE" sz="1600" dirty="0" err="1" smtClean="0"/>
+              <a:rPr lang="de-DE" sz="1600" dirty="0" err="1"/>
               <a:t>Sales</a:t>
             </a:r>
-            <a:r>
-              <a:rPr lang="de-DE" sz="1600" smtClean="0"/>
-              <a:t/>
-            </a:r>
             <a:br>
-              <a:rPr lang="de-DE" sz="1600" smtClean="0"/>
+              <a:rPr lang="de-DE" sz="1600"/>
             </a:br>
             <a:r>
-              <a:rPr lang="de-DE" sz="1600" smtClean="0"/>
+              <a:rPr lang="de-DE" sz="1600"/>
               <a:t>(</a:t>
             </a:r>
             <a:r>
-              <a:rPr lang="de-DE" sz="1600" dirty="0" smtClean="0"/>
+              <a:rPr lang="de-DE" sz="1600" dirty="0"/>
               <a:t>Java &amp; Co)</a:t>
             </a:r>
-            <a:endParaRPr lang="de-DE" sz="1600" dirty="0"/>
           </a:p>
         </p:txBody>
       </p:sp>
@@ -3599,21 +3804,16 @@
           <a:p>
             <a:pPr algn="ctr"/>
             <a:r>
-              <a:rPr lang="de-DE" sz="2400" b="1" dirty="0" smtClean="0"/>
+              <a:rPr lang="de-DE" sz="2400" b="1" dirty="0"/>
               <a:t>VENOM</a:t>
             </a:r>
-            <a:r>
-              <a:rPr lang="de-DE" sz="2000" dirty="0" smtClean="0"/>
-              <a:t/>
-            </a:r>
             <a:br>
-              <a:rPr lang="de-DE" sz="2000" dirty="0" smtClean="0"/>
+              <a:rPr lang="de-DE" sz="2000" dirty="0"/>
             </a:br>
             <a:r>
-              <a:rPr lang="de-DE" sz="2000" dirty="0" smtClean="0"/>
+              <a:rPr lang="de-DE" sz="2000" dirty="0"/>
               <a:t>(Java &amp; Co)</a:t>
             </a:r>
-            <a:endParaRPr lang="de-DE" sz="2000" dirty="0"/>
           </a:p>
         </p:txBody>
       </p:sp>
@@ -3691,21 +3891,16 @@
           <a:p>
             <a:pPr algn="ctr"/>
             <a:r>
-              <a:rPr lang="de-DE" sz="1200" dirty="0" err="1" smtClean="0"/>
+              <a:rPr lang="de-DE" sz="1200" dirty="0" err="1"/>
               <a:t>Campaigner</a:t>
             </a:r>
-            <a:r>
-              <a:rPr lang="de-DE" sz="1200" dirty="0" smtClean="0"/>
-              <a:t/>
-            </a:r>
             <a:br>
-              <a:rPr lang="de-DE" sz="1200" dirty="0" smtClean="0"/>
+              <a:rPr lang="de-DE" sz="1200" dirty="0"/>
             </a:br>
             <a:r>
-              <a:rPr lang="de-DE" sz="1200" dirty="0" smtClean="0"/>
+              <a:rPr lang="de-DE" sz="1200" dirty="0"/>
               <a:t>(Java, PHP)</a:t>
             </a:r>
-            <a:endParaRPr lang="de-DE" sz="1200" dirty="0"/>
           </a:p>
         </p:txBody>
       </p:sp>
@@ -3789,17 +3984,16 @@
           <a:p>
             <a:pPr algn="ctr"/>
             <a:r>
-              <a:rPr lang="de-DE" sz="1200" dirty="0" smtClean="0"/>
+              <a:rPr lang="de-DE" sz="1200" dirty="0"/>
               <a:t>div. kleine</a:t>
             </a:r>
           </a:p>
           <a:p>
             <a:pPr algn="ctr"/>
             <a:r>
-              <a:rPr lang="de-DE" sz="1200" dirty="0" smtClean="0"/>
+              <a:rPr lang="de-DE" sz="1200" dirty="0"/>
               <a:t>Mitbewerber</a:t>
             </a:r>
-            <a:endParaRPr lang="de-DE" sz="1200" dirty="0"/>
           </a:p>
         </p:txBody>
       </p:sp>
@@ -3921,7 +4115,7 @@
           <a:p>
             <a:pPr algn="ctr"/>
             <a:r>
-              <a:rPr lang="de-DE" dirty="0" smtClean="0">
+              <a:rPr lang="de-DE" dirty="0">
                 <a:solidFill>
                   <a:schemeClr val="bg1">
                     <a:lumMod val="50000"/>
@@ -3931,7 +4125,7 @@
               <a:t>„</a:t>
             </a:r>
             <a:r>
-              <a:rPr lang="de-DE" dirty="0" err="1" smtClean="0">
+              <a:rPr lang="de-DE" dirty="0" err="1">
                 <a:solidFill>
                   <a:schemeClr val="bg1">
                     <a:lumMod val="50000"/>
@@ -3941,7 +4135,7 @@
               <a:t>WaWi</a:t>
             </a:r>
             <a:r>
-              <a:rPr lang="de-DE" dirty="0" smtClean="0">
+              <a:rPr lang="de-DE" dirty="0">
                 <a:solidFill>
                   <a:schemeClr val="bg1">
                     <a:lumMod val="50000"/>
@@ -3951,7 +4145,7 @@
               <a:t>“</a:t>
             </a:r>
             <a:br>
-              <a:rPr lang="de-DE" dirty="0" smtClean="0">
+              <a:rPr lang="de-DE" dirty="0">
                 <a:solidFill>
                   <a:schemeClr val="bg1">
                     <a:lumMod val="50000"/>
@@ -3960,7 +4154,7 @@
               </a:rPr>
             </a:br>
             <a:r>
-              <a:rPr lang="de-DE" dirty="0" smtClean="0">
+              <a:rPr lang="de-DE" dirty="0">
                 <a:solidFill>
                   <a:schemeClr val="bg1">
                     <a:lumMod val="50000"/>
@@ -3969,13 +4163,6 @@
               </a:rPr>
               <a:t>(Host, Cobol)</a:t>
             </a:r>
-            <a:endParaRPr lang="de-DE" dirty="0">
-              <a:solidFill>
-                <a:schemeClr val="bg1">
-                  <a:lumMod val="50000"/>
-                </a:schemeClr>
-              </a:solidFill>
-            </a:endParaRPr>
           </a:p>
         </p:txBody>
       </p:sp>
@@ -4026,13 +4213,6 @@
   <p:clrMapOvr>
     <a:masterClrMapping/>
   </p:clrMapOvr>
-  <p:timing>
-    <p:tnLst>
-      <p:par>
-        <p:cTn xmlns:p14="http://schemas.microsoft.com/office/powerpoint/2010/main" id="1" dur="indefinite" restart="never" nodeType="tmRoot"/>
-      </p:par>
-    </p:tnLst>
-  </p:timing>
 </p:sld>
 </file>
 
@@ -4109,10 +4289,9 @@
           <a:lstStyle/>
           <a:p>
             <a:r>
-              <a:rPr lang="de-DE" sz="2000" dirty="0" smtClean="0"/>
+              <a:rPr lang="de-DE" sz="2000" dirty="0"/>
               <a:t>1992</a:t>
             </a:r>
-            <a:endParaRPr lang="de-DE" sz="2000" dirty="0"/>
           </a:p>
         </p:txBody>
       </p:sp>
@@ -4139,10 +4318,9 @@
           <a:lstStyle/>
           <a:p>
             <a:r>
-              <a:rPr lang="de-DE" sz="2000" dirty="0" smtClean="0"/>
+              <a:rPr lang="de-DE" sz="2000" dirty="0"/>
               <a:t>1997</a:t>
             </a:r>
-            <a:endParaRPr lang="de-DE" sz="2000" dirty="0"/>
           </a:p>
         </p:txBody>
       </p:sp>
@@ -4169,10 +4347,9 @@
           <a:lstStyle/>
           <a:p>
             <a:r>
-              <a:rPr lang="de-DE" sz="2000" dirty="0" smtClean="0"/>
+              <a:rPr lang="de-DE" sz="2000" dirty="0"/>
               <a:t>2003</a:t>
             </a:r>
-            <a:endParaRPr lang="de-DE" sz="2000" dirty="0"/>
           </a:p>
         </p:txBody>
       </p:sp>
@@ -4199,10 +4376,9 @@
           <a:lstStyle/>
           <a:p>
             <a:r>
-              <a:rPr lang="de-DE" sz="2000" dirty="0" smtClean="0"/>
+              <a:rPr lang="de-DE" sz="2000" dirty="0"/>
               <a:t>2008</a:t>
             </a:r>
-            <a:endParaRPr lang="de-DE" sz="2000" dirty="0"/>
           </a:p>
         </p:txBody>
       </p:sp>
@@ -4229,10 +4405,9 @@
           <a:lstStyle/>
           <a:p>
             <a:r>
-              <a:rPr lang="de-DE" sz="2000" dirty="0" smtClean="0"/>
+              <a:rPr lang="de-DE" sz="2000" dirty="0"/>
               <a:t>2013</a:t>
             </a:r>
-            <a:endParaRPr lang="de-DE" sz="2000" dirty="0"/>
           </a:p>
         </p:txBody>
       </p:sp>
@@ -4271,17 +4446,16 @@
           <a:p>
             <a:pPr algn="ctr"/>
             <a:r>
-              <a:rPr lang="de-DE" dirty="0" smtClean="0"/>
+              <a:rPr lang="de-DE" dirty="0"/>
               <a:t>Atlas Software</a:t>
             </a:r>
             <a:br>
-              <a:rPr lang="de-DE" dirty="0" smtClean="0"/>
+              <a:rPr lang="de-DE" dirty="0"/>
             </a:br>
             <a:r>
-              <a:rPr lang="de-DE" dirty="0" smtClean="0"/>
+              <a:rPr lang="de-DE" dirty="0"/>
               <a:t>GmbH &amp; Co. KG</a:t>
             </a:r>
-            <a:endParaRPr lang="de-DE" dirty="0"/>
           </a:p>
         </p:txBody>
       </p:sp>
@@ -4320,10 +4494,9 @@
           <a:p>
             <a:pPr algn="ctr"/>
             <a:r>
-              <a:rPr lang="de-DE" sz="1600" dirty="0" smtClean="0"/>
+              <a:rPr lang="de-DE" sz="1600" dirty="0"/>
               <a:t>Dr. Blau &amp; Partner</a:t>
             </a:r>
-            <a:endParaRPr lang="de-DE" sz="1600" dirty="0"/>
           </a:p>
         </p:txBody>
       </p:sp>
@@ -4362,10 +4535,9 @@
           <a:p>
             <a:pPr algn="ctr"/>
             <a:r>
-              <a:rPr lang="de-DE" sz="1600" dirty="0" smtClean="0"/>
+              <a:rPr lang="de-DE" sz="1600" dirty="0"/>
               <a:t>Rot AG</a:t>
             </a:r>
-            <a:endParaRPr lang="de-DE" sz="1600" dirty="0"/>
           </a:p>
         </p:txBody>
       </p:sp>
@@ -4404,21 +4576,20 @@
           <a:p>
             <a:pPr algn="ctr"/>
             <a:r>
-              <a:rPr lang="de-DE" sz="1400" dirty="0" err="1" smtClean="0"/>
+              <a:rPr lang="de-DE" sz="1400" dirty="0" err="1"/>
               <a:t>Hodor</a:t>
             </a:r>
             <a:r>
-              <a:rPr lang="de-DE" sz="1400" dirty="0" smtClean="0"/>
+              <a:rPr lang="de-DE" sz="1400" dirty="0"/>
               <a:t> KG</a:t>
             </a:r>
             <a:br>
-              <a:rPr lang="de-DE" sz="1400" dirty="0" smtClean="0"/>
+              <a:rPr lang="de-DE" sz="1400" dirty="0"/>
             </a:br>
             <a:r>
-              <a:rPr lang="de-DE" sz="1400" dirty="0" smtClean="0"/>
+              <a:rPr lang="de-DE" sz="1400" dirty="0"/>
               <a:t>Ing-Büro</a:t>
             </a:r>
-            <a:endParaRPr lang="de-DE" sz="1400" dirty="0"/>
           </a:p>
         </p:txBody>
       </p:sp>
@@ -4492,25 +4663,20 @@
           <a:p>
             <a:pPr algn="ctr"/>
             <a:r>
-              <a:rPr lang="de-DE" sz="1600" dirty="0" err="1" smtClean="0"/>
+              <a:rPr lang="de-DE" sz="1600" dirty="0" err="1"/>
               <a:t>WebDev</a:t>
             </a:r>
             <a:r>
               <a:rPr lang="de-DE" sz="1600" dirty="0"/>
-              <a:t> </a:t>
-            </a:r>
-            <a:r>
-              <a:rPr lang="de-DE" sz="1600" dirty="0" smtClean="0"/>
-              <a:t>Inc.</a:t>
+              <a:t> Inc.</a:t>
             </a:r>
             <a:br>
-              <a:rPr lang="de-DE" sz="1600" dirty="0" smtClean="0"/>
+              <a:rPr lang="de-DE" sz="1600" dirty="0"/>
             </a:br>
             <a:r>
-              <a:rPr lang="de-DE" sz="1600" dirty="0" smtClean="0"/>
+              <a:rPr lang="de-DE" sz="1600" dirty="0"/>
               <a:t>(London + München)</a:t>
             </a:r>
-            <a:endParaRPr lang="de-DE" sz="1600" dirty="0"/>
           </a:p>
         </p:txBody>
       </p:sp>
@@ -4604,17 +4770,16 @@
           <a:p>
             <a:pPr algn="ctr"/>
             <a:r>
-              <a:rPr lang="de-DE" sz="1600" dirty="0" smtClean="0"/>
+              <a:rPr lang="de-DE" sz="1600" dirty="0"/>
               <a:t>Rot Holding +</a:t>
             </a:r>
             <a:br>
-              <a:rPr lang="de-DE" sz="1600" dirty="0" smtClean="0"/>
+              <a:rPr lang="de-DE" sz="1600" dirty="0"/>
             </a:br>
             <a:r>
-              <a:rPr lang="de-DE" sz="1600" dirty="0" smtClean="0"/>
+              <a:rPr lang="de-DE" sz="1600" dirty="0"/>
               <a:t>Rot Europa</a:t>
             </a:r>
-            <a:endParaRPr lang="de-DE" sz="1600" dirty="0"/>
           </a:p>
         </p:txBody>
       </p:sp>
@@ -4803,28 +4968,23 @@
           <a:p>
             <a:pPr algn="ctr"/>
             <a:r>
-              <a:rPr lang="de-DE" sz="2400" b="1" dirty="0" smtClean="0"/>
+              <a:rPr lang="de-DE" sz="2400" b="1" dirty="0"/>
               <a:t>SAMM</a:t>
             </a:r>
-            <a:r>
-              <a:rPr lang="de-DE" sz="2000" dirty="0" smtClean="0"/>
-              <a:t/>
-            </a:r>
             <a:br>
-              <a:rPr lang="de-DE" sz="2000" dirty="0" smtClean="0"/>
+              <a:rPr lang="de-DE" sz="2000" dirty="0"/>
             </a:br>
             <a:r>
-              <a:rPr lang="de-DE" sz="2000" dirty="0" smtClean="0"/>
+              <a:rPr lang="de-DE" sz="2000" dirty="0"/>
               <a:t>International</a:t>
             </a:r>
           </a:p>
           <a:p>
             <a:pPr algn="ctr"/>
             <a:r>
-              <a:rPr lang="de-DE" sz="2000" dirty="0" smtClean="0"/>
+              <a:rPr lang="de-DE" sz="2000" dirty="0"/>
               <a:t>AG</a:t>
             </a:r>
-            <a:endParaRPr lang="de-DE" sz="2000" dirty="0"/>
           </a:p>
         </p:txBody>
       </p:sp>
@@ -4904,18 +5064,17 @@
           <a:p>
             <a:pPr algn="ctr"/>
             <a:r>
-              <a:rPr lang="de-DE" sz="1200" dirty="0" smtClean="0"/>
+              <a:rPr lang="de-DE" sz="1200" dirty="0"/>
               <a:t>Gelb </a:t>
             </a:r>
             <a:r>
-              <a:rPr lang="de-DE" sz="1200" dirty="0" err="1" smtClean="0"/>
+              <a:rPr lang="de-DE" sz="1200" dirty="0" err="1"/>
               <a:t>Finance</a:t>
             </a:r>
             <a:r>
-              <a:rPr lang="de-DE" sz="1200" dirty="0" smtClean="0"/>
+              <a:rPr lang="de-DE" sz="1200" dirty="0"/>
               <a:t> AG</a:t>
             </a:r>
-            <a:endParaRPr lang="de-DE" sz="1200" dirty="0"/>
           </a:p>
         </p:txBody>
       </p:sp>
@@ -4999,10 +5158,9 @@
           <a:p>
             <a:pPr algn="ctr"/>
             <a:r>
-              <a:rPr lang="de-DE" sz="1200" dirty="0" smtClean="0"/>
+              <a:rPr lang="de-DE" sz="1200" dirty="0"/>
               <a:t>Software-Töchter in Ungarn, Polen, Rumänien, Pakistan</a:t>
             </a:r>
-            <a:endParaRPr lang="de-DE" sz="1200" dirty="0"/>
           </a:p>
         </p:txBody>
       </p:sp>
@@ -5124,7 +5282,7 @@
           <a:p>
             <a:pPr algn="ctr"/>
             <a:r>
-              <a:rPr lang="de-DE" dirty="0" smtClean="0">
+              <a:rPr lang="de-DE" dirty="0">
                 <a:solidFill>
                   <a:schemeClr val="bg1">
                     <a:lumMod val="50000"/>
@@ -5133,13 +5291,6 @@
               </a:rPr>
               <a:t>Grau GmbH</a:t>
             </a:r>
-            <a:endParaRPr lang="de-DE" dirty="0">
-              <a:solidFill>
-                <a:schemeClr val="bg1">
-                  <a:lumMod val="50000"/>
-                </a:schemeClr>
-              </a:solidFill>
-            </a:endParaRPr>
           </a:p>
         </p:txBody>
       </p:sp>
@@ -5190,13 +5341,6 @@
   <p:clrMapOvr>
     <a:masterClrMapping/>
   </p:clrMapOvr>
-  <p:timing>
-    <p:tnLst>
-      <p:par>
-        <p:cTn xmlns:p14="http://schemas.microsoft.com/office/powerpoint/2010/main" id="1" dur="indefinite" restart="never" nodeType="tmRoot"/>
-      </p:par>
-    </p:tnLst>
-  </p:timing>
 </p:sld>
 </file>
 
@@ -5234,10 +5378,9 @@
           <a:p>
             <a:pPr algn="r"/>
             <a:r>
-              <a:rPr lang="de-DE" dirty="0" smtClean="0"/>
+              <a:rPr lang="de-DE" dirty="0"/>
               <a:t>Daten-Chaos (1)</a:t>
             </a:r>
-            <a:endParaRPr lang="de-DE" dirty="0"/>
           </a:p>
         </p:txBody>
       </p:sp>
@@ -5292,45 +5435,38 @@
                 <a:latin typeface="Courier"/>
                 <a:cs typeface="Courier"/>
               </a:rPr>
-              <a:t>i</a:t>
-            </a:r>
-            <a:r>
-              <a:rPr lang="de-DE" dirty="0" err="1" smtClean="0">
-                <a:latin typeface="Courier"/>
-                <a:cs typeface="Courier"/>
-              </a:rPr>
-              <a:t>f</a:t>
-            </a:r>
-            <a:r>
-              <a:rPr lang="de-DE" dirty="0" smtClean="0">
+              <a:t>if</a:t>
+            </a:r>
+            <a:r>
+              <a:rPr lang="de-DE" dirty="0">
                 <a:latin typeface="Courier"/>
                 <a:cs typeface="Courier"/>
               </a:rPr>
               <a:t> (</a:t>
             </a:r>
             <a:r>
-              <a:rPr lang="de-DE" dirty="0" err="1" smtClean="0">
+              <a:rPr lang="de-DE" dirty="0" err="1">
                 <a:latin typeface="Courier"/>
                 <a:cs typeface="Courier"/>
               </a:rPr>
               <a:t>isAtlas</a:t>
             </a:r>
             <a:r>
-              <a:rPr lang="de-DE" dirty="0" smtClean="0">
+              <a:rPr lang="de-DE" dirty="0">
                 <a:latin typeface="Courier"/>
                 <a:cs typeface="Courier"/>
               </a:rPr>
               <a:t>( </a:t>
             </a:r>
             <a:r>
-              <a:rPr lang="de-DE" dirty="0" err="1" smtClean="0">
+              <a:rPr lang="de-DE" dirty="0" err="1">
                 <a:latin typeface="Courier"/>
                 <a:cs typeface="Courier"/>
               </a:rPr>
               <a:t>kunde</a:t>
             </a:r>
             <a:r>
-              <a:rPr lang="de-DE" dirty="0" smtClean="0">
+              <a:rPr lang="de-DE" dirty="0">
                 <a:latin typeface="Courier"/>
                 <a:cs typeface="Courier"/>
               </a:rPr>
@@ -5339,35 +5475,35 @@
           </a:p>
           <a:p>
             <a:r>
-              <a:rPr lang="de-DE" dirty="0" smtClean="0">
+              <a:rPr lang="de-DE" dirty="0">
                 <a:latin typeface="Courier"/>
                 <a:cs typeface="Courier"/>
               </a:rPr>
               <a:t>    k1 = </a:t>
             </a:r>
             <a:r>
-              <a:rPr lang="de-DE" dirty="0" err="1" smtClean="0">
+              <a:rPr lang="de-DE" dirty="0" err="1">
                 <a:latin typeface="Courier"/>
                 <a:cs typeface="Courier"/>
               </a:rPr>
               <a:t>getFromOpticalArchive</a:t>
             </a:r>
             <a:r>
-              <a:rPr lang="de-DE" dirty="0" smtClean="0">
+              <a:rPr lang="de-DE" dirty="0">
                 <a:latin typeface="Courier"/>
                 <a:cs typeface="Courier"/>
               </a:rPr>
               <a:t>( </a:t>
             </a:r>
             <a:r>
-              <a:rPr lang="de-DE" dirty="0" err="1" smtClean="0">
+              <a:rPr lang="de-DE" dirty="0" err="1">
                 <a:latin typeface="Courier"/>
                 <a:cs typeface="Courier"/>
               </a:rPr>
               <a:t>kunde</a:t>
             </a:r>
             <a:r>
-              <a:rPr lang="de-DE" dirty="0" smtClean="0">
+              <a:rPr lang="de-DE" dirty="0">
                 <a:latin typeface="Courier"/>
                 <a:cs typeface="Courier"/>
               </a:rPr>
@@ -5380,24 +5516,17 @@
                 <a:latin typeface="Courier"/>
                 <a:cs typeface="Courier"/>
               </a:rPr>
-              <a:t> </a:t>
-            </a:r>
-            <a:r>
-              <a:rPr lang="de-DE" dirty="0" smtClean="0">
-                <a:latin typeface="Courier"/>
-                <a:cs typeface="Courier"/>
-              </a:rPr>
-              <a:t>   k2 = getFromAS400( k1, </a:t>
-            </a:r>
-            <a:r>
-              <a:rPr lang="de-DE" dirty="0" err="1" smtClean="0">
+              <a:t>    k2 = getFromAS400( k1, </a:t>
+            </a:r>
+            <a:r>
+              <a:rPr lang="de-DE" dirty="0" err="1">
                 <a:latin typeface="Courier"/>
                 <a:cs typeface="Courier"/>
               </a:rPr>
               <a:t>kunde</a:t>
             </a:r>
             <a:r>
-              <a:rPr lang="de-DE" dirty="0" smtClean="0">
+              <a:rPr lang="de-DE" dirty="0">
                 <a:latin typeface="Courier"/>
                 <a:cs typeface="Courier"/>
               </a:rPr>
@@ -5410,61 +5539,54 @@
                 <a:latin typeface="Courier"/>
                 <a:cs typeface="Courier"/>
               </a:rPr>
-              <a:t> </a:t>
-            </a:r>
-            <a:r>
-              <a:rPr lang="de-DE" dirty="0" smtClean="0">
-                <a:latin typeface="Courier"/>
-                <a:cs typeface="Courier"/>
-              </a:rPr>
-              <a:t>   ....</a:t>
-            </a:r>
-          </a:p>
-          <a:p>
-            <a:r>
-              <a:rPr lang="de-DE" dirty="0" smtClean="0">
+              <a:t>    ....</a:t>
+            </a:r>
+          </a:p>
+          <a:p>
+            <a:r>
+              <a:rPr lang="de-DE" dirty="0">
                 <a:latin typeface="Courier"/>
                 <a:cs typeface="Courier"/>
               </a:rPr>
               <a:t>} </a:t>
             </a:r>
             <a:r>
-              <a:rPr lang="de-DE" dirty="0" err="1" smtClean="0">
+              <a:rPr lang="de-DE" dirty="0" err="1">
                 <a:latin typeface="Courier"/>
                 <a:cs typeface="Courier"/>
               </a:rPr>
               <a:t>else</a:t>
             </a:r>
             <a:r>
-              <a:rPr lang="de-DE" dirty="0" smtClean="0">
+              <a:rPr lang="de-DE" dirty="0">
                 <a:latin typeface="Courier"/>
                 <a:cs typeface="Courier"/>
               </a:rPr>
               <a:t> (</a:t>
             </a:r>
             <a:r>
-              <a:rPr lang="de-DE" dirty="0" err="1" smtClean="0">
+              <a:rPr lang="de-DE" dirty="0" err="1">
                 <a:latin typeface="Courier"/>
                 <a:cs typeface="Courier"/>
               </a:rPr>
               <a:t>isCampaigner</a:t>
             </a:r>
             <a:r>
-              <a:rPr lang="de-DE" dirty="0" smtClean="0">
+              <a:rPr lang="de-DE" dirty="0">
                 <a:latin typeface="Courier"/>
                 <a:cs typeface="Courier"/>
               </a:rPr>
               <a:t>( </a:t>
             </a:r>
             <a:r>
-              <a:rPr lang="de-DE" dirty="0" err="1" smtClean="0">
+              <a:rPr lang="de-DE" dirty="0" err="1">
                 <a:latin typeface="Courier"/>
                 <a:cs typeface="Courier"/>
               </a:rPr>
               <a:t>kunde</a:t>
             </a:r>
             <a:r>
-              <a:rPr lang="de-DE" dirty="0" smtClean="0">
+              <a:rPr lang="de-DE" dirty="0">
                 <a:latin typeface="Courier"/>
                 <a:cs typeface="Courier"/>
               </a:rPr>
@@ -5477,38 +5599,31 @@
                 <a:latin typeface="Courier"/>
                 <a:cs typeface="Courier"/>
               </a:rPr>
-              <a:t> </a:t>
-            </a:r>
-            <a:r>
-              <a:rPr lang="de-DE" dirty="0" smtClean="0">
-                <a:latin typeface="Courier"/>
-                <a:cs typeface="Courier"/>
-              </a:rPr>
-              <a:t>   k3 = </a:t>
-            </a:r>
-            <a:r>
-              <a:rPr lang="de-DE" dirty="0" err="1" smtClean="0">
+              <a:t>    k3 = </a:t>
+            </a:r>
+            <a:r>
+              <a:rPr lang="de-DE" dirty="0" err="1">
                 <a:latin typeface="Courier"/>
                 <a:cs typeface="Courier"/>
               </a:rPr>
               <a:t>getFromKonfigDB</a:t>
             </a:r>
             <a:r>
-              <a:rPr lang="de-DE" dirty="0" smtClean="0">
+              <a:rPr lang="de-DE" dirty="0">
                 <a:latin typeface="Courier"/>
                 <a:cs typeface="Courier"/>
               </a:rPr>
               <a:t>( </a:t>
             </a:r>
             <a:r>
-              <a:rPr lang="de-DE" dirty="0" err="1" smtClean="0">
+              <a:rPr lang="de-DE" dirty="0" err="1">
                 <a:latin typeface="Courier"/>
                 <a:cs typeface="Courier"/>
               </a:rPr>
               <a:t>kunde</a:t>
             </a:r>
             <a:r>
-              <a:rPr lang="de-DE" dirty="0" smtClean="0">
+              <a:rPr lang="de-DE" dirty="0">
                 <a:latin typeface="Courier"/>
                 <a:cs typeface="Courier"/>
               </a:rPr>
@@ -5521,24 +5636,72 @@
                 <a:latin typeface="Courier"/>
                 <a:cs typeface="Courier"/>
               </a:rPr>
-              <a:t> </a:t>
-            </a:r>
-            <a:r>
-              <a:rPr lang="de-DE" dirty="0" smtClean="0">
-                <a:latin typeface="Courier"/>
-                <a:cs typeface="Courier"/>
-              </a:rPr>
-              <a:t>   ....}</a:t>
-            </a:r>
-          </a:p>
-          <a:p>
-            <a:r>
-              <a:rPr lang="de-DE" dirty="0" smtClean="0">
+              <a:t>    ....}</a:t>
+            </a:r>
+          </a:p>
+          <a:p>
+            <a:r>
+              <a:rPr lang="de-DE" dirty="0">
                 <a:latin typeface="Courier"/>
                 <a:cs typeface="Courier"/>
               </a:rPr>
               <a:t>}</a:t>
             </a:r>
+          </a:p>
+          <a:p>
+            <a:r>
+              <a:rPr lang="de-DE" dirty="0" err="1">
+                <a:latin typeface="Courier"/>
+                <a:cs typeface="Courier"/>
+              </a:rPr>
+              <a:t>if</a:t>
+            </a:r>
+            <a:r>
+              <a:rPr lang="de-DE" dirty="0">
+                <a:latin typeface="Courier"/>
+                <a:cs typeface="Courier"/>
+              </a:rPr>
+              <a:t> (isAtlas2( </a:t>
+            </a:r>
+            <a:r>
+              <a:rPr lang="de-DE" dirty="0" err="1">
+                <a:latin typeface="Courier"/>
+                <a:cs typeface="Courier"/>
+              </a:rPr>
+              <a:t>kunde</a:t>
+            </a:r>
+            <a:r>
+              <a:rPr lang="de-DE" dirty="0">
+                <a:latin typeface="Courier"/>
+                <a:cs typeface="Courier"/>
+              </a:rPr>
+              <a:t> ) &amp;&amp; </a:t>
+            </a:r>
+          </a:p>
+          <a:p>
+            <a:r>
+              <a:rPr lang="de-DE" dirty="0">
+                <a:latin typeface="Courier"/>
+                <a:cs typeface="Courier"/>
+              </a:rPr>
+              <a:t>    </a:t>
+            </a:r>
+            <a:r>
+              <a:rPr lang="de-DE" dirty="0" err="1">
+                <a:latin typeface="Courier"/>
+                <a:cs typeface="Courier"/>
+              </a:rPr>
+              <a:t>kunde.rebate</a:t>
+            </a:r>
+            <a:r>
+              <a:rPr lang="de-DE" dirty="0">
+                <a:latin typeface="Courier"/>
+                <a:cs typeface="Courier"/>
+              </a:rPr>
+              <a:t> in...</a:t>
+            </a:r>
+          </a:p>
+          <a:p>
             <a:endParaRPr lang="de-DE" dirty="0">
               <a:latin typeface="Courier"/>
               <a:cs typeface="Courier"/>
@@ -5546,73 +5709,7 @@
           </a:p>
           <a:p>
             <a:r>
-              <a:rPr lang="de-DE" dirty="0" err="1" smtClean="0">
-                <a:latin typeface="Courier"/>
-                <a:cs typeface="Courier"/>
-              </a:rPr>
-              <a:t>if</a:t>
-            </a:r>
-            <a:r>
-              <a:rPr lang="de-DE" dirty="0" smtClean="0">
-                <a:latin typeface="Courier"/>
-                <a:cs typeface="Courier"/>
-              </a:rPr>
-              <a:t> (isAtlas2( </a:t>
-            </a:r>
-            <a:r>
-              <a:rPr lang="de-DE" dirty="0" err="1" smtClean="0">
-                <a:latin typeface="Courier"/>
-                <a:cs typeface="Courier"/>
-              </a:rPr>
-              <a:t>kunde</a:t>
-            </a:r>
-            <a:r>
-              <a:rPr lang="de-DE" dirty="0" smtClean="0">
-                <a:latin typeface="Courier"/>
-                <a:cs typeface="Courier"/>
-              </a:rPr>
-              <a:t> ) &amp;&amp; </a:t>
-            </a:r>
-          </a:p>
-          <a:p>
-            <a:r>
               <a:rPr lang="de-DE" dirty="0">
-                <a:latin typeface="Courier"/>
-                <a:cs typeface="Courier"/>
-              </a:rPr>
-              <a:t> </a:t>
-            </a:r>
-            <a:r>
-              <a:rPr lang="de-DE" dirty="0" smtClean="0">
-                <a:latin typeface="Courier"/>
-                <a:cs typeface="Courier"/>
-              </a:rPr>
-              <a:t>   </a:t>
-            </a:r>
-            <a:r>
-              <a:rPr lang="de-DE" dirty="0" err="1" smtClean="0">
-                <a:latin typeface="Courier"/>
-                <a:cs typeface="Courier"/>
-              </a:rPr>
-              <a:t>kunde.rebate</a:t>
-            </a:r>
-            <a:r>
-              <a:rPr lang="de-DE" dirty="0" smtClean="0">
-                <a:latin typeface="Courier"/>
-                <a:cs typeface="Courier"/>
-              </a:rPr>
-              <a:t> in...</a:t>
-            </a:r>
-          </a:p>
-          <a:p>
-            <a:endParaRPr lang="de-DE" dirty="0">
-              <a:latin typeface="Courier"/>
-              <a:cs typeface="Courier"/>
-            </a:endParaRPr>
-          </a:p>
-          <a:p>
-            <a:r>
-              <a:rPr lang="de-DE" dirty="0" smtClean="0">
                 <a:latin typeface="Courier"/>
                 <a:cs typeface="Courier"/>
               </a:rPr>
@@ -5644,7 +5741,7 @@
           <a:lstStyle/>
           <a:p>
             <a:r>
-              <a:rPr lang="de-DE" b="1" dirty="0" smtClean="0">
+              <a:rPr lang="de-DE" b="1" dirty="0">
                 <a:solidFill>
                   <a:schemeClr val="tx2">
                     <a:lumMod val="75000"/>
@@ -5654,7 +5751,7 @@
               <a:t>Datenmigration wäre schön </a:t>
             </a:r>
             <a:r>
-              <a:rPr lang="de-DE" b="1" dirty="0" smtClean="0">
+              <a:rPr lang="de-DE" b="1" dirty="0">
                 <a:solidFill>
                   <a:schemeClr val="tx2">
                     <a:lumMod val="75000"/>
@@ -5721,10 +5818,9 @@
           <a:p>
             <a:pPr algn="r"/>
             <a:r>
-              <a:rPr lang="de-DE" dirty="0" smtClean="0"/>
+              <a:rPr lang="de-DE" dirty="0"/>
               <a:t>Daten-Chaos (2)</a:t>
             </a:r>
-            <a:endParaRPr lang="de-DE" dirty="0"/>
           </a:p>
         </p:txBody>
       </p:sp>
@@ -5752,25 +5848,23 @@
               <a:buNone/>
             </a:pPr>
             <a:r>
-              <a:rPr lang="de-DE" dirty="0" smtClean="0"/>
+              <a:rPr lang="de-DE" dirty="0"/>
               <a:t>Datenmodell auf AS/400... </a:t>
             </a:r>
-            <a:endParaRPr lang="de-DE" dirty="0"/>
           </a:p>
           <a:p>
             <a:pPr lvl="1"/>
             <a:r>
-              <a:rPr lang="de-DE" dirty="0" smtClean="0"/>
+              <a:rPr lang="de-DE" dirty="0"/>
               <a:t>5 Tabellen, jeweils 400 Spalten</a:t>
             </a:r>
           </a:p>
           <a:p>
             <a:pPr lvl="1"/>
             <a:r>
-              <a:rPr lang="de-DE" dirty="0" smtClean="0"/>
+              <a:rPr lang="de-DE" dirty="0"/>
               <a:t>Massiv (!) gekoppelt </a:t>
             </a:r>
-            <a:endParaRPr lang="de-DE" dirty="0"/>
           </a:p>
         </p:txBody>
       </p:sp>
@@ -5973,10 +6067,9 @@
             <a:lstStyle/>
             <a:p>
               <a:r>
-                <a:rPr lang="de-DE" dirty="0" smtClean="0"/>
+                <a:rPr lang="de-DE" dirty="0"/>
                 <a:t>... (400)</a:t>
               </a:r>
-              <a:endParaRPr lang="de-DE" dirty="0"/>
             </a:p>
           </p:txBody>
         </p:sp>
@@ -6191,10 +6284,9 @@
             <a:lstStyle/>
             <a:p>
               <a:r>
-                <a:rPr lang="de-DE" dirty="0" smtClean="0"/>
+                <a:rPr lang="de-DE" dirty="0"/>
                 <a:t>... (400)</a:t>
               </a:r>
-              <a:endParaRPr lang="de-DE" dirty="0"/>
             </a:p>
           </p:txBody>
         </p:sp>
@@ -6409,10 +6501,9 @@
             <a:lstStyle/>
             <a:p>
               <a:r>
-                <a:rPr lang="de-DE" dirty="0" smtClean="0"/>
+                <a:rPr lang="de-DE" dirty="0"/>
                 <a:t>... (400)</a:t>
               </a:r>
-              <a:endParaRPr lang="de-DE" dirty="0"/>
             </a:p>
           </p:txBody>
         </p:sp>
@@ -6627,10 +6718,9 @@
             <a:lstStyle/>
             <a:p>
               <a:r>
-                <a:rPr lang="de-DE" dirty="0" smtClean="0"/>
+                <a:rPr lang="de-DE" dirty="0"/>
                 <a:t>... (400)</a:t>
               </a:r>
-              <a:endParaRPr lang="de-DE" dirty="0"/>
             </a:p>
           </p:txBody>
         </p:sp>
@@ -6845,10 +6935,9 @@
             <a:lstStyle/>
             <a:p>
               <a:r>
-                <a:rPr lang="de-DE" dirty="0" smtClean="0"/>
+                <a:rPr lang="de-DE" dirty="0"/>
                 <a:t>... (400)</a:t>
               </a:r>
-              <a:endParaRPr lang="de-DE" dirty="0"/>
             </a:p>
           </p:txBody>
         </p:sp>
@@ -7287,7 +7376,7 @@
           <a:lstStyle/>
           <a:p>
             <a:r>
-              <a:rPr lang="de-DE" sz="2800" b="1" dirty="0" smtClean="0">
+              <a:rPr lang="de-DE" sz="2800" b="1" dirty="0">
                 <a:solidFill>
                   <a:schemeClr val="accent5">
                     <a:lumMod val="75000"/>
@@ -7297,7 +7386,7 @@
               <a:t>Massive </a:t>
             </a:r>
             <a:br>
-              <a:rPr lang="de-DE" sz="2800" b="1" dirty="0" smtClean="0">
+              <a:rPr lang="de-DE" sz="2800" b="1" dirty="0">
                 <a:solidFill>
                   <a:schemeClr val="accent5">
                     <a:lumMod val="75000"/>
@@ -7306,7 +7395,7 @@
               </a:rPr>
             </a:br>
             <a:r>
-              <a:rPr lang="de-DE" sz="2800" b="1" dirty="0" smtClean="0">
+              <a:rPr lang="de-DE" sz="2800" b="1" dirty="0">
                 <a:solidFill>
                   <a:schemeClr val="accent5">
                     <a:lumMod val="75000"/>
@@ -7315,13 +7404,6 @@
               </a:rPr>
               <a:t>Performanceprobleme</a:t>
             </a:r>
-            <a:endParaRPr lang="de-DE" sz="2800" b="1" dirty="0">
-              <a:solidFill>
-                <a:schemeClr val="accent5">
-                  <a:lumMod val="75000"/>
-                </a:schemeClr>
-              </a:solidFill>
-            </a:endParaRPr>
           </a:p>
         </p:txBody>
       </p:sp>
@@ -7371,10 +7453,9 @@
           <a:lstStyle/>
           <a:p>
             <a:r>
-              <a:rPr lang="de-DE" dirty="0" smtClean="0"/>
+              <a:rPr lang="de-DE" dirty="0"/>
               <a:t>Daten-Chaos (3)</a:t>
             </a:r>
-            <a:endParaRPr lang="de-DE" dirty="0"/>
           </a:p>
         </p:txBody>
       </p:sp>
@@ -7401,59 +7482,59 @@
           <a:lstStyle/>
           <a:p>
             <a:r>
-              <a:rPr lang="de-DE" dirty="0" smtClean="0"/>
+              <a:rPr lang="de-DE" dirty="0"/>
               <a:t>Optisches (!) Archiv enthält ca. </a:t>
             </a:r>
           </a:p>
           <a:p>
             <a:pPr lvl="1"/>
             <a:r>
-              <a:rPr lang="de-DE" sz="2400" dirty="0" smtClean="0"/>
+              <a:rPr lang="de-DE" sz="2400" dirty="0"/>
               <a:t>1 Mio. Kunden-Stammdaten</a:t>
             </a:r>
           </a:p>
           <a:p>
             <a:pPr lvl="1"/>
             <a:r>
-              <a:rPr lang="de-DE" sz="2400" dirty="0" smtClean="0"/>
+              <a:rPr lang="de-DE" sz="2400" dirty="0"/>
               <a:t>10 Mio. Angebote</a:t>
             </a:r>
           </a:p>
           <a:p>
             <a:pPr lvl="1"/>
             <a:r>
-              <a:rPr lang="de-DE" sz="2400" dirty="0" smtClean="0"/>
+              <a:rPr lang="de-DE" sz="2400" dirty="0"/>
               <a:t>50 Mio. Bewegungsdaten, Bewertungen + Verträge</a:t>
             </a:r>
           </a:p>
           <a:p>
             <a:r>
-              <a:rPr lang="de-DE" dirty="0" smtClean="0"/>
+              <a:rPr lang="de-DE" dirty="0"/>
               <a:t>Zwischen 2001 und 2005 ca. 5-15% der Daten fehlerhaft gespeichert</a:t>
             </a:r>
           </a:p>
           <a:p>
             <a:pPr lvl="1"/>
             <a:r>
-              <a:rPr lang="de-DE" dirty="0" smtClean="0"/>
+              <a:rPr lang="de-DE" dirty="0"/>
               <a:t>Insert-Logik enthielt subtilen Fehler</a:t>
             </a:r>
           </a:p>
           <a:p>
             <a:pPr lvl="1"/>
             <a:r>
-              <a:rPr lang="de-DE" dirty="0" smtClean="0"/>
+              <a:rPr lang="de-DE" dirty="0"/>
               <a:t>Potentiell betroffen: Alle Write-Operationen...</a:t>
             </a:r>
           </a:p>
           <a:p>
             <a:pPr lvl="1"/>
             <a:r>
-              <a:rPr lang="de-DE" dirty="0" smtClean="0"/>
+              <a:rPr lang="de-DE" dirty="0"/>
               <a:t>Abhilfe: „</a:t>
             </a:r>
             <a:r>
-              <a:rPr lang="de-DE" dirty="0" err="1" smtClean="0">
+              <a:rPr lang="de-DE" dirty="0" err="1">
                 <a:solidFill>
                   <a:schemeClr val="accent6">
                     <a:lumMod val="75000"/>
@@ -7463,7 +7544,7 @@
               <a:t>Correct</a:t>
             </a:r>
             <a:r>
-              <a:rPr lang="de-DE" dirty="0" smtClean="0">
+              <a:rPr lang="de-DE" dirty="0">
                 <a:solidFill>
                   <a:schemeClr val="accent6">
                     <a:lumMod val="75000"/>
@@ -7473,7 +7554,7 @@
               <a:t>-Upon-</a:t>
             </a:r>
             <a:r>
-              <a:rPr lang="de-DE" dirty="0" err="1" smtClean="0">
+              <a:rPr lang="de-DE" dirty="0" err="1">
                 <a:solidFill>
                   <a:schemeClr val="accent6">
                     <a:lumMod val="75000"/>
@@ -7483,7 +7564,7 @@
               <a:t>Current</a:t>
             </a:r>
             <a:r>
-              <a:rPr lang="de-DE" dirty="0" smtClean="0">
+              <a:rPr lang="de-DE" dirty="0">
                 <a:solidFill>
                   <a:schemeClr val="accent6">
                     <a:lumMod val="75000"/>
@@ -7493,7 +7574,7 @@
               <a:t>-</a:t>
             </a:r>
             <a:r>
-              <a:rPr lang="de-DE" dirty="0" err="1" smtClean="0">
+              <a:rPr lang="de-DE" dirty="0" err="1">
                 <a:solidFill>
                   <a:schemeClr val="accent6">
                     <a:lumMod val="75000"/>
@@ -7503,10 +7584,9 @@
               <a:t>Use</a:t>
             </a:r>
             <a:r>
-              <a:rPr lang="de-DE" dirty="0" smtClean="0"/>
+              <a:rPr lang="de-DE" dirty="0"/>
               <a:t>“</a:t>
             </a:r>
-            <a:endParaRPr lang="de-DE" dirty="0"/>
           </a:p>
         </p:txBody>
       </p:sp>
@@ -7556,19 +7636,19 @@
           <a:lstStyle/>
           <a:p>
             <a:r>
-              <a:rPr lang="de-DE" dirty="0" smtClean="0"/>
+              <a:rPr lang="de-DE" dirty="0"/>
               <a:t>View-Pipeline </a:t>
             </a:r>
             <a:r>
-              <a:rPr lang="de-DE" sz="3200" dirty="0" smtClean="0"/>
+              <a:rPr lang="de-DE" sz="3200" dirty="0"/>
               <a:t>(Apache </a:t>
             </a:r>
             <a:r>
-              <a:rPr lang="de-DE" sz="3200" dirty="0" err="1" smtClean="0"/>
+              <a:rPr lang="de-DE" sz="3200" dirty="0" err="1"/>
               <a:t>Cocoon</a:t>
             </a:r>
             <a:r>
-              <a:rPr lang="de-DE" sz="3200" dirty="0" smtClean="0"/>
+              <a:rPr lang="de-DE" sz="3200" dirty="0"/>
               <a:t>)</a:t>
             </a:r>
             <a:endParaRPr lang="de-DE" dirty="0"/>
@@ -7601,25 +7681,25 @@
               <a:buNone/>
             </a:pPr>
             <a:r>
-              <a:rPr lang="de-DE" dirty="0" smtClean="0"/>
+              <a:rPr lang="de-DE" dirty="0"/>
               <a:t>Theorie:</a:t>
             </a:r>
           </a:p>
           <a:p>
             <a:r>
-              <a:rPr lang="de-DE" dirty="0" smtClean="0"/>
+              <a:rPr lang="de-DE" dirty="0"/>
               <a:t>Separation </a:t>
             </a:r>
             <a:r>
-              <a:rPr lang="de-DE" dirty="0" err="1" smtClean="0"/>
+              <a:rPr lang="de-DE" dirty="0" err="1"/>
               <a:t>of</a:t>
             </a:r>
             <a:r>
-              <a:rPr lang="de-DE" dirty="0" smtClean="0"/>
+              <a:rPr lang="de-DE" dirty="0"/>
               <a:t> </a:t>
             </a:r>
             <a:r>
-              <a:rPr lang="de-DE" dirty="0" err="1" smtClean="0"/>
+              <a:rPr lang="de-DE" dirty="0" err="1"/>
               <a:t>Concern</a:t>
             </a:r>
             <a:endParaRPr lang="de-DE" dirty="0"/>
@@ -7644,7 +7724,7 @@
         </p:spPr>
         <p:txBody>
           <a:bodyPr>
-            <a:normAutofit fontScale="92500" lnSpcReduction="10000"/>
+            <a:normAutofit/>
           </a:bodyPr>
           <a:lstStyle/>
           <a:p>
@@ -7652,59 +7732,55 @@
               <a:buNone/>
             </a:pPr>
             <a:r>
-              <a:rPr lang="de-DE" dirty="0" smtClean="0"/>
+              <a:rPr lang="de-DE" dirty="0"/>
               <a:t>Praxis:</a:t>
             </a:r>
           </a:p>
           <a:p>
             <a:r>
-              <a:rPr lang="de-DE" dirty="0" smtClean="0"/>
+              <a:rPr lang="de-DE" dirty="0"/>
               <a:t>XSLT-Hölle</a:t>
             </a:r>
           </a:p>
           <a:p>
             <a:r>
-              <a:rPr lang="de-DE" dirty="0" smtClean="0"/>
+              <a:rPr lang="de-DE" dirty="0"/>
               <a:t>Transformer </a:t>
             </a:r>
             <a:br>
-              <a:rPr lang="de-DE" dirty="0" smtClean="0"/>
+              <a:rPr lang="de-DE" dirty="0"/>
             </a:br>
             <a:r>
-              <a:rPr lang="de-DE" dirty="0" smtClean="0"/>
+              <a:rPr lang="de-DE" dirty="0"/>
               <a:t>ändern Daten</a:t>
             </a:r>
           </a:p>
           <a:p>
             <a:r>
-              <a:rPr lang="de-DE" dirty="0" smtClean="0"/>
+              <a:rPr lang="de-DE" dirty="0"/>
               <a:t>Enge Kopplung</a:t>
             </a:r>
             <a:br>
-              <a:rPr lang="de-DE" dirty="0" smtClean="0"/>
+              <a:rPr lang="de-DE" dirty="0"/>
             </a:br>
             <a:r>
-              <a:rPr lang="de-DE" dirty="0" smtClean="0"/>
+              <a:rPr lang="de-DE" dirty="0"/>
               <a:t>der Filter </a:t>
             </a:r>
             <a:r>
-              <a:rPr lang="de-DE" sz="1900" dirty="0" smtClean="0"/>
+              <a:rPr lang="de-DE" sz="1900" dirty="0"/>
               <a:t>(</a:t>
             </a:r>
             <a:r>
-              <a:rPr lang="de-DE" sz="1900" dirty="0" err="1" smtClean="0"/>
+              <a:rPr lang="de-DE" sz="1900" dirty="0" err="1"/>
               <a:t>Steps</a:t>
             </a:r>
             <a:r>
-              <a:rPr lang="de-DE" sz="1900" dirty="0" smtClean="0"/>
+              <a:rPr lang="de-DE" sz="1900" dirty="0"/>
               <a:t>)</a:t>
             </a:r>
-            <a:r>
-              <a:rPr lang="de-DE" dirty="0" smtClean="0"/>
-              <a:t/>
-            </a:r>
             <a:br>
-              <a:rPr lang="de-DE" dirty="0" smtClean="0"/>
+              <a:rPr lang="de-DE" dirty="0"/>
             </a:br>
             <a:endParaRPr lang="de-DE" dirty="0"/>
           </a:p>
@@ -7897,7 +7973,7 @@
           <a:lstStyle/>
           <a:p>
             <a:r>
-              <a:rPr lang="de-DE" sz="1600" b="1" dirty="0" smtClean="0">
+              <a:rPr lang="de-DE" sz="1600" b="1" dirty="0">
                 <a:solidFill>
                   <a:srgbClr val="FF0000"/>
                 </a:solidFill>
@@ -7905,7 +7981,7 @@
               <a:t>Add XML </a:t>
             </a:r>
             <a:r>
-              <a:rPr lang="de-DE" sz="1600" b="1" dirty="0" err="1" smtClean="0">
+              <a:rPr lang="de-DE" sz="1600" b="1" dirty="0" err="1">
                 <a:solidFill>
                   <a:srgbClr val="FF0000"/>
                 </a:solidFill>
@@ -7913,7 +7989,7 @@
               <a:t>to</a:t>
             </a:r>
             <a:r>
-              <a:rPr lang="de-DE" sz="1600" b="1" dirty="0" smtClean="0">
+              <a:rPr lang="de-DE" sz="1600" b="1" dirty="0">
                 <a:solidFill>
                   <a:srgbClr val="FF0000"/>
                 </a:solidFill>
@@ -7921,7 +7997,7 @@
               <a:t> </a:t>
             </a:r>
             <a:r>
-              <a:rPr lang="de-DE" sz="1600" b="1" dirty="0" err="1" smtClean="0">
+              <a:rPr lang="de-DE" sz="1600" b="1" dirty="0" err="1">
                 <a:solidFill>
                   <a:srgbClr val="FF0000"/>
                 </a:solidFill>
@@ -7929,7 +8005,7 @@
               <a:t>most</a:t>
             </a:r>
             <a:r>
-              <a:rPr lang="de-DE" sz="1600" b="1" dirty="0" smtClean="0">
+              <a:rPr lang="de-DE" sz="1600" b="1" dirty="0">
                 <a:solidFill>
                   <a:srgbClr val="FF0000"/>
                 </a:solidFill>
@@ -7937,7 +8013,7 @@
               <a:t> </a:t>
             </a:r>
             <a:r>
-              <a:rPr lang="de-DE" sz="1600" b="1" dirty="0" err="1" smtClean="0">
+              <a:rPr lang="de-DE" sz="1600" b="1" dirty="0" err="1">
                 <a:solidFill>
                   <a:srgbClr val="FF0000"/>
                 </a:solidFill>
@@ -7945,7 +8021,7 @@
               <a:t>of</a:t>
             </a:r>
             <a:r>
-              <a:rPr lang="de-DE" sz="1600" b="1" dirty="0" smtClean="0">
+              <a:rPr lang="de-DE" sz="1600" b="1" dirty="0">
                 <a:solidFill>
                   <a:srgbClr val="FF0000"/>
                 </a:solidFill>
@@ -7953,7 +8029,7 @@
               <a:t> </a:t>
             </a:r>
             <a:r>
-              <a:rPr lang="de-DE" sz="1600" b="1" dirty="0" err="1" smtClean="0">
+              <a:rPr lang="de-DE" sz="1600" b="1" dirty="0" err="1">
                 <a:solidFill>
                   <a:srgbClr val="FF0000"/>
                 </a:solidFill>
@@ -7961,18 +8037,13 @@
               <a:t>these</a:t>
             </a:r>
             <a:r>
-              <a:rPr lang="de-DE" sz="1600" b="1" dirty="0" smtClean="0">
+              <a:rPr lang="de-DE" sz="1600" b="1" dirty="0">
                 <a:solidFill>
                   <a:srgbClr val="FF0000"/>
                 </a:solidFill>
               </a:rPr>
               <a:t>...</a:t>
             </a:r>
-            <a:endParaRPr lang="de-DE" sz="1600" b="1" dirty="0">
-              <a:solidFill>
-                <a:srgbClr val="FF0000"/>
-              </a:solidFill>
-            </a:endParaRPr>
           </a:p>
         </p:txBody>
       </p:sp>
@@ -8000,22 +8071,22 @@
           <a:p>
             <a:pPr algn="l"/>
             <a:r>
-              <a:rPr lang="de-DE" sz="4000" dirty="0" smtClean="0"/>
+              <a:rPr lang="de-DE" sz="4000" dirty="0"/>
               <a:t>Business </a:t>
             </a:r>
             <a:br>
-              <a:rPr lang="de-DE" sz="4000" dirty="0" smtClean="0"/>
+              <a:rPr lang="de-DE" sz="4000" dirty="0"/>
             </a:br>
             <a:r>
-              <a:rPr lang="de-DE" sz="4000" dirty="0" err="1" smtClean="0"/>
+              <a:rPr lang="de-DE" sz="4000" dirty="0" err="1"/>
               <a:t>Component</a:t>
             </a:r>
             <a:r>
-              <a:rPr lang="de-DE" sz="4000" dirty="0" smtClean="0"/>
+              <a:rPr lang="de-DE" sz="4000" dirty="0"/>
               <a:t> </a:t>
             </a:r>
             <a:r>
-              <a:rPr lang="de-DE" sz="4000" dirty="0" err="1" smtClean="0"/>
+              <a:rPr lang="de-DE" sz="4000" dirty="0" err="1"/>
               <a:t>Disorder</a:t>
             </a:r>
             <a:endParaRPr lang="de-DE" sz="4000" dirty="0"/>
@@ -8676,6 +8747,24 @@
 </file>
 
 <file path=customXml/item1.xml><?xml version="1.0" encoding="utf-8"?>
+<?mso-contentType ?>
+<FormTemplates xmlns="http://schemas.microsoft.com/sharepoint/v3/contenttype/forms">
+  <Display>DocumentLibraryForm</Display>
+  <Edit>DocumentLibraryForm</Edit>
+  <New>DocumentLibraryForm</New>
+</FormTemplates>
+</file>
+
+<file path=customXml/item2.xml><?xml version="1.0" encoding="utf-8"?>
+<p:properties xmlns:p="http://schemas.microsoft.com/office/2006/metadata/properties" xmlns:xsi="http://www.w3.org/2001/XMLSchema-instance" xmlns:pc="http://schemas.microsoft.com/office/infopath/2007/PartnerControls">
+  <documentManagement>
+    <_Version xmlns="http://schemas.microsoft.com/sharepoint/v3/fields" xsi:nil="true"/>
+    <_Status xmlns="http://schemas.microsoft.com/sharepoint/v3/fields">Not Started</_Status>
+  </documentManagement>
+</p:properties>
+</file>
+
+<file path=customXml/item3.xml><?xml version="1.0" encoding="utf-8"?>
 <ct:contentTypeSchema xmlns:ct="http://schemas.microsoft.com/office/2006/metadata/contentType" xmlns:ma="http://schemas.microsoft.com/office/2006/metadata/properties/metaAttributes" ct:_="" ma:_="" ma:contentTypeName="Document" ma:contentTypeID="0x0101000DE64AEEDD9B7A4D93545ACBE97D4615" ma:contentTypeVersion="2" ma:contentTypeDescription="Create a new document." ma:contentTypeScope="" ma:versionID="f49002b78e3a4a71b814eef46a983816">
   <xsd:schema xmlns:xsd="http://www.w3.org/2001/XMLSchema" xmlns:xs="http://www.w3.org/2001/XMLSchema" xmlns:p="http://schemas.microsoft.com/office/2006/metadata/properties" xmlns:ns2="http://schemas.microsoft.com/sharepoint/v3/fields" targetNamespace="http://schemas.microsoft.com/office/2006/metadata/properties" ma:root="true" ma:fieldsID="38f6db2dd0d9a0cf6a8dc37be32b365b" ns2:_="">
     <xsd:import namespace="http://schemas.microsoft.com/sharepoint/v3/fields"/>
@@ -8819,25 +8908,25 @@
 </ct:contentTypeSchema>
 </file>
 
-<file path=customXml/item2.xml><?xml version="1.0" encoding="utf-8"?>
-<?mso-contentType ?>
-<FormTemplates xmlns="http://schemas.microsoft.com/sharepoint/v3/contenttype/forms">
-  <Display>DocumentLibraryForm</Display>
-  <Edit>DocumentLibraryForm</Edit>
-  <New>DocumentLibraryForm</New>
-</FormTemplates>
+<file path=customXml/itemProps1.xml><?xml version="1.0" encoding="utf-8"?>
+<ds:datastoreItem xmlns:ds="http://schemas.openxmlformats.org/officeDocument/2006/customXml" ds:itemID="{87D2A1B0-FF3E-4009-940D-AED0EB70AA20}">
+  <ds:schemaRefs>
+    <ds:schemaRef ds:uri="http://schemas.microsoft.com/sharepoint/v3/contenttype/forms"/>
+  </ds:schemaRefs>
+</ds:datastoreItem>
 </file>
 
-<file path=customXml/item3.xml><?xml version="1.0" encoding="utf-8"?>
-<p:properties xmlns:p="http://schemas.microsoft.com/office/2006/metadata/properties" xmlns:xsi="http://www.w3.org/2001/XMLSchema-instance" xmlns:pc="http://schemas.microsoft.com/office/infopath/2007/PartnerControls">
-  <documentManagement>
-    <_Version xmlns="http://schemas.microsoft.com/sharepoint/v3/fields" xsi:nil="true"/>
-    <_Status xmlns="http://schemas.microsoft.com/sharepoint/v3/fields">Not Started</_Status>
-  </documentManagement>
-</p:properties>
+<file path=customXml/itemProps2.xml><?xml version="1.0" encoding="utf-8"?>
+<ds:datastoreItem xmlns:ds="http://schemas.openxmlformats.org/officeDocument/2006/customXml" ds:itemID="{7B6F2769-7194-4217-93D3-3AF3A4742282}">
+  <ds:schemaRefs>
+    <ds:schemaRef ds:uri="http://schemas.microsoft.com/office/2006/metadata/properties"/>
+    <ds:schemaRef ds:uri="http://schemas.microsoft.com/office/infopath/2007/PartnerControls"/>
+    <ds:schemaRef ds:uri="http://schemas.microsoft.com/sharepoint/v3/fields"/>
+  </ds:schemaRefs>
+</ds:datastoreItem>
 </file>
 
-<file path=customXml/itemProps1.xml><?xml version="1.0" encoding="utf-8"?>
+<file path=customXml/itemProps3.xml><?xml version="1.0" encoding="utf-8"?>
 <ds:datastoreItem xmlns:ds="http://schemas.openxmlformats.org/officeDocument/2006/customXml" ds:itemID="{E4214858-785C-42F7-BE66-6D0E79395FC8}">
   <ds:schemaRefs>
     <ds:schemaRef ds:uri="http://schemas.microsoft.com/office/2006/metadata/contentType"/>
@@ -8853,22 +8942,4 @@
     <ds:schemaRef ds:uri="http://schemas.microsoft.com/internal/obd"/>
   </ds:schemaRefs>
 </ds:datastoreItem>
-</file>
-
-<file path=customXml/itemProps2.xml><?xml version="1.0" encoding="utf-8"?>
-<ds:datastoreItem xmlns:ds="http://schemas.openxmlformats.org/officeDocument/2006/customXml" ds:itemID="{87D2A1B0-FF3E-4009-940D-AED0EB70AA20}">
-  <ds:schemaRefs>
-    <ds:schemaRef ds:uri="http://schemas.microsoft.com/sharepoint/v3/contenttype/forms"/>
-  </ds:schemaRefs>
-</ds:datastoreItem>
-</file>
-
-<file path=customXml/itemProps3.xml><?xml version="1.0" encoding="utf-8"?>
-<ds:datastoreItem xmlns:ds="http://schemas.openxmlformats.org/officeDocument/2006/customXml" ds:itemID="{7B6F2769-7194-4217-93D3-3AF3A4742282}">
-  <ds:schemaRefs>
-    <ds:schemaRef ds:uri="http://schemas.microsoft.com/office/2006/metadata/properties"/>
-    <ds:schemaRef ds:uri="http://schemas.microsoft.com/office/infopath/2007/PartnerControls"/>
-    <ds:schemaRef ds:uri="http://schemas.microsoft.com/sharepoint/v3/fields"/>
-  </ds:schemaRefs>
-</ds:datastoreItem>
 </file>